--- a/Resources/For Public Defense/Golden Gate Maze Game Presentation.pptx
+++ b/Resources/For Public Defense/Golden Gate Maze Game Presentation.pptx
@@ -1,22 +1,22 @@
 
 <file path=ppt/presentation.xml><?xml version="1.0" encoding="utf-8"?>
-<p:presentation xmlns:a="http://schemas.openxmlformats.org/drawingml/2006/main" xmlns:r="http://schemas.openxmlformats.org/officeDocument/2006/relationships" xmlns:mc="http://schemas.openxmlformats.org/markup-compatibility/2006" xmlns:mv="urn:schemas-microsoft-com:mac:vml" xmlns:p="http://schemas.openxmlformats.org/presentationml/2006/main" xmlns:c="http://schemas.openxmlformats.org/drawingml/2006/chart" xmlns:dgm="http://schemas.openxmlformats.org/drawingml/2006/diagram" xmlns:o="urn:schemas-microsoft-com:office:office" xmlns:v="urn:schemas-microsoft-com:vml" xmlns:pvml="urn:schemas-microsoft-com:office:powerpoint" xmlns:com="http://schemas.openxmlformats.org/drawingml/2006/compatibility" xmlns:p14="http://schemas.microsoft.com/office/powerpoint/2010/main" saveSubsetFonts="1" autoCompressPictures="0" strictFirstAndLastChars="0">
+<p:presentation xmlns:a="http://schemas.openxmlformats.org/drawingml/2006/main" xmlns:r="http://schemas.openxmlformats.org/officeDocument/2006/relationships" xmlns:p="http://schemas.openxmlformats.org/presentationml/2006/main" strictFirstAndLastChars="0" saveSubsetFonts="1" autoCompressPictures="0">
   <p:sldMasterIdLst>
-    <p:sldMasterId id="2147483654" r:id="rId4"/>
+    <p:sldMasterId id="2147483654" r:id="rId1"/>
   </p:sldMasterIdLst>
   <p:notesMasterIdLst>
-    <p:notesMasterId r:id="rId5"/>
+    <p:notesMasterId r:id="rId6"/>
   </p:notesMasterIdLst>
   <p:sldIdLst>
-    <p:sldId id="256" r:id="rId6"/>
-    <p:sldId id="257" r:id="rId7"/>
-    <p:sldId id="258" r:id="rId8"/>
-    <p:sldId id="259" r:id="rId9"/>
+    <p:sldId id="256" r:id="rId2"/>
+    <p:sldId id="257" r:id="rId3"/>
+    <p:sldId id="258" r:id="rId4"/>
+    <p:sldId id="259" r:id="rId5"/>
   </p:sldIdLst>
-  <p:sldSz cy="5143500" cx="9144000"/>
-  <p:notesSz cy="9144000" cx="6858000"/>
+  <p:sldSz cx="9144000" cy="5143500" type="screen16x9"/>
+  <p:notesSz cx="6858000" cy="9144000"/>
   <p:defaultTextStyle>
-    <a:defPPr algn="l" rtl="0" marR="0">
+    <a:defPPr marR="0" algn="l" rtl="0">
       <a:lnSpc>
         <a:spcPct val="100000"/>
       </a:lnSpc>
@@ -27,7 +27,7 @@
         <a:spcPts val="0"/>
       </a:spcAft>
     </a:defPPr>
-    <a:lvl1pPr algn="l" rtl="0" marR="0">
+    <a:lvl1pPr marR="0" algn="l" rtl="0">
       <a:lnSpc>
         <a:spcPct val="100000"/>
       </a:lnSpc>
@@ -38,7 +38,7 @@
         <a:spcPts val="0"/>
       </a:spcAft>
       <a:buNone/>
-      <a:defRPr strike="noStrike" u="none" b="0" cap="none" baseline="0" sz="1400" i="0">
+      <a:defRPr sz="1400" b="0" i="0" u="none" strike="noStrike" cap="none" baseline="0">
         <a:solidFill>
           <a:srgbClr val="000000"/>
         </a:solidFill>
@@ -49,7 +49,7 @@
         <a:rtl val="0"/>
       </a:defRPr>
     </a:lvl1pPr>
-    <a:lvl2pPr algn="l" rtl="0" marR="0">
+    <a:lvl2pPr marR="0" algn="l" rtl="0">
       <a:lnSpc>
         <a:spcPct val="100000"/>
       </a:lnSpc>
@@ -60,7 +60,7 @@
         <a:spcPts val="0"/>
       </a:spcAft>
       <a:buNone/>
-      <a:defRPr strike="noStrike" u="none" b="0" cap="none" baseline="0" sz="1400" i="0">
+      <a:defRPr sz="1400" b="0" i="0" u="none" strike="noStrike" cap="none" baseline="0">
         <a:solidFill>
           <a:srgbClr val="000000"/>
         </a:solidFill>
@@ -71,7 +71,7 @@
         <a:rtl val="0"/>
       </a:defRPr>
     </a:lvl2pPr>
-    <a:lvl3pPr algn="l" rtl="0" marR="0">
+    <a:lvl3pPr marR="0" algn="l" rtl="0">
       <a:lnSpc>
         <a:spcPct val="100000"/>
       </a:lnSpc>
@@ -82,7 +82,7 @@
         <a:spcPts val="0"/>
       </a:spcAft>
       <a:buNone/>
-      <a:defRPr strike="noStrike" u="none" b="0" cap="none" baseline="0" sz="1400" i="0">
+      <a:defRPr sz="1400" b="0" i="0" u="none" strike="noStrike" cap="none" baseline="0">
         <a:solidFill>
           <a:srgbClr val="000000"/>
         </a:solidFill>
@@ -93,7 +93,7 @@
         <a:rtl val="0"/>
       </a:defRPr>
     </a:lvl3pPr>
-    <a:lvl4pPr algn="l" rtl="0" marR="0">
+    <a:lvl4pPr marR="0" algn="l" rtl="0">
       <a:lnSpc>
         <a:spcPct val="100000"/>
       </a:lnSpc>
@@ -104,7 +104,7 @@
         <a:spcPts val="0"/>
       </a:spcAft>
       <a:buNone/>
-      <a:defRPr strike="noStrike" u="none" b="0" cap="none" baseline="0" sz="1400" i="0">
+      <a:defRPr sz="1400" b="0" i="0" u="none" strike="noStrike" cap="none" baseline="0">
         <a:solidFill>
           <a:srgbClr val="000000"/>
         </a:solidFill>
@@ -115,7 +115,7 @@
         <a:rtl val="0"/>
       </a:defRPr>
     </a:lvl4pPr>
-    <a:lvl5pPr algn="l" rtl="0" marR="0">
+    <a:lvl5pPr marR="0" algn="l" rtl="0">
       <a:lnSpc>
         <a:spcPct val="100000"/>
       </a:lnSpc>
@@ -126,7 +126,7 @@
         <a:spcPts val="0"/>
       </a:spcAft>
       <a:buNone/>
-      <a:defRPr strike="noStrike" u="none" b="0" cap="none" baseline="0" sz="1400" i="0">
+      <a:defRPr sz="1400" b="0" i="0" u="none" strike="noStrike" cap="none" baseline="0">
         <a:solidFill>
           <a:srgbClr val="000000"/>
         </a:solidFill>
@@ -137,7 +137,7 @@
         <a:rtl val="0"/>
       </a:defRPr>
     </a:lvl5pPr>
-    <a:lvl6pPr algn="l" rtl="0" marR="0">
+    <a:lvl6pPr marR="0" algn="l" rtl="0">
       <a:lnSpc>
         <a:spcPct val="100000"/>
       </a:lnSpc>
@@ -148,7 +148,7 @@
         <a:spcPts val="0"/>
       </a:spcAft>
       <a:buNone/>
-      <a:defRPr strike="noStrike" u="none" b="0" cap="none" baseline="0" sz="1400" i="0">
+      <a:defRPr sz="1400" b="0" i="0" u="none" strike="noStrike" cap="none" baseline="0">
         <a:solidFill>
           <a:srgbClr val="000000"/>
         </a:solidFill>
@@ -159,7 +159,7 @@
         <a:rtl val="0"/>
       </a:defRPr>
     </a:lvl6pPr>
-    <a:lvl7pPr algn="l" rtl="0" marR="0">
+    <a:lvl7pPr marR="0" algn="l" rtl="0">
       <a:lnSpc>
         <a:spcPct val="100000"/>
       </a:lnSpc>
@@ -170,7 +170,7 @@
         <a:spcPts val="0"/>
       </a:spcAft>
       <a:buNone/>
-      <a:defRPr strike="noStrike" u="none" b="0" cap="none" baseline="0" sz="1400" i="0">
+      <a:defRPr sz="1400" b="0" i="0" u="none" strike="noStrike" cap="none" baseline="0">
         <a:solidFill>
           <a:srgbClr val="000000"/>
         </a:solidFill>
@@ -181,7 +181,7 @@
         <a:rtl val="0"/>
       </a:defRPr>
     </a:lvl7pPr>
-    <a:lvl8pPr algn="l" rtl="0" marR="0">
+    <a:lvl8pPr marR="0" algn="l" rtl="0">
       <a:lnSpc>
         <a:spcPct val="100000"/>
       </a:lnSpc>
@@ -192,7 +192,7 @@
         <a:spcPts val="0"/>
       </a:spcAft>
       <a:buNone/>
-      <a:defRPr strike="noStrike" u="none" b="0" cap="none" baseline="0" sz="1400" i="0">
+      <a:defRPr sz="1400" b="0" i="0" u="none" strike="noStrike" cap="none" baseline="0">
         <a:solidFill>
           <a:srgbClr val="000000"/>
         </a:solidFill>
@@ -203,7 +203,7 @@
         <a:rtl val="0"/>
       </a:defRPr>
     </a:lvl8pPr>
-    <a:lvl9pPr algn="l" rtl="0" marR="0">
+    <a:lvl9pPr marR="0" algn="l" rtl="0">
       <a:lnSpc>
         <a:spcPct val="100000"/>
       </a:lnSpc>
@@ -214,7 +214,7 @@
         <a:spcPts val="0"/>
       </a:spcAft>
       <a:buNone/>
-      <a:defRPr strike="noStrike" u="none" b="0" cap="none" baseline="0" sz="1400" i="0">
+      <a:defRPr sz="1400" b="0" i="0" u="none" strike="noStrike" cap="none" baseline="0">
         <a:solidFill>
           <a:srgbClr val="000000"/>
         </a:solidFill>
@@ -230,8 +230,13 @@
 </file>
 
 <file path=ppt/notesMasters/notesMaster1.xml><?xml version="1.0" encoding="utf-8"?>
-<p:notesMaster xmlns:a="http://schemas.openxmlformats.org/drawingml/2006/main" xmlns:r="http://schemas.openxmlformats.org/officeDocument/2006/relationships" xmlns:mc="http://schemas.openxmlformats.org/markup-compatibility/2006" xmlns:mv="urn:schemas-microsoft-com:mac:vml" xmlns:p="http://schemas.openxmlformats.org/presentationml/2006/main" xmlns:c="http://schemas.openxmlformats.org/drawingml/2006/chart" xmlns:dgm="http://schemas.openxmlformats.org/drawingml/2006/diagram" xmlns:o="urn:schemas-microsoft-com:office:office" xmlns:v="urn:schemas-microsoft-com:vml" xmlns:pvml="urn:schemas-microsoft-com:office:powerpoint" xmlns:com="http://schemas.openxmlformats.org/drawingml/2006/compatibility" xmlns:p14="http://schemas.microsoft.com/office/powerpoint/2010/main">
+<p:notesMaster xmlns:a="http://schemas.openxmlformats.org/drawingml/2006/main" xmlns:r="http://schemas.openxmlformats.org/officeDocument/2006/relationships" xmlns:p="http://schemas.openxmlformats.org/presentationml/2006/main">
   <p:cSld>
+    <p:bg>
+      <p:bgRef idx="1001">
+        <a:schemeClr val="bg1"/>
+      </p:bgRef>
+    </p:bg>
     <p:spTree>
       <p:nvGrpSpPr>
         <p:cNvPr id="1" name="Shape 1"/>
@@ -240,39 +245,46 @@
       </p:nvGrpSpPr>
       <p:grpSpPr>
         <a:xfrm>
-          <a:off y="0" x="0"/>
-          <a:ext cy="0" cx="0"/>
-          <a:chOff y="0" x="0"/>
-          <a:chExt cy="0" cx="0"/>
+          <a:off x="0" y="0"/>
+          <a:ext cx="0" cy="0"/>
+          <a:chOff x="0" y="0"/>
+          <a:chExt cx="0" cy="0"/>
         </a:xfrm>
       </p:grpSpPr>
       <p:sp>
         <p:nvSpPr>
           <p:cNvPr id="2" name="Shape 2"/>
-          <p:cNvSpPr/>
+          <p:cNvSpPr>
+            <a:spLocks noGrp="1" noRot="1" noChangeAspect="1"/>
+          </p:cNvSpPr>
           <p:nvPr>
-            <p:ph idx="2" type="sldImg"/>
+            <p:ph type="sldImg" idx="2"/>
           </p:nvPr>
         </p:nvSpPr>
         <p:spPr>
           <a:xfrm>
-            <a:off y="685800" x="381187"/>
-            <a:ext cy="3429000" cx="6096299"/>
+            <a:off x="381187" y="685800"/>
+            <a:ext cx="6096299" cy="3429000"/>
           </a:xfrm>
           <a:custGeom>
+            <a:avLst/>
+            <a:gdLst/>
+            <a:ahLst/>
+            <a:cxnLst/>
+            <a:rect l="0" t="0" r="0" b="0"/>
             <a:pathLst>
-              <a:path w="120000" extrusionOk="0" h="120000">
+              <a:path w="120000" h="120000" extrusionOk="0">
                 <a:moveTo>
-                  <a:pt y="0" x="0"/>
+                  <a:pt x="0" y="0"/>
                 </a:moveTo>
                 <a:lnTo>
-                  <a:pt y="0" x="120000"/>
+                  <a:pt x="120000" y="0"/>
                 </a:lnTo>
                 <a:lnTo>
-                  <a:pt y="120000" x="120000"/>
+                  <a:pt x="120000" y="120000"/>
                 </a:lnTo>
                 <a:lnTo>
-                  <a:pt y="120000" x="0"/>
+                  <a:pt x="0" y="120000"/>
                 </a:lnTo>
                 <a:close/>
               </a:path>
@@ -285,23 +297,25 @@
             </a:solidFill>
             <a:prstDash val="solid"/>
             <a:round/>
-            <a:headEnd w="med" len="med" type="none"/>
-            <a:tailEnd w="med" len="med" type="none"/>
+            <a:headEnd type="none" w="med" len="med"/>
+            <a:tailEnd type="none" w="med" len="med"/>
           </a:ln>
         </p:spPr>
       </p:sp>
       <p:sp>
         <p:nvSpPr>
           <p:cNvPr id="3" name="Shape 3"/>
-          <p:cNvSpPr txBox="1"/>
+          <p:cNvSpPr txBox="1">
+            <a:spLocks noGrp="1"/>
+          </p:cNvSpPr>
           <p:nvPr>
-            <p:ph idx="1" type="body"/>
+            <p:ph type="body" idx="1"/>
           </p:nvPr>
         </p:nvSpPr>
         <p:spPr>
           <a:xfrm>
-            <a:off y="4343400" x="685800"/>
-            <a:ext cy="4114800" cx="5486399"/>
+            <a:off x="685800" y="4343400"/>
+            <a:ext cx="5486399" cy="4114800"/>
           </a:xfrm>
           <a:prstGeom prst="rect">
             <a:avLst/>
@@ -312,7 +326,7 @@
           </a:ln>
         </p:spPr>
         <p:txBody>
-          <a:bodyPr bIns="91425" rIns="91425" lIns="91425" tIns="91425" anchor="t" anchorCtr="0"/>
+          <a:bodyPr lIns="91425" tIns="91425" rIns="91425" bIns="91425" anchor="t" anchorCtr="0"/>
           <a:lstStyle>
             <a:lvl1pPr>
               <a:spcBef>
@@ -369,59 +383,165 @@
               <a:defRPr sz="1100"/>
             </a:lvl9pPr>
           </a:lstStyle>
-          <a:p/>
+          <a:p>
+            <a:endParaRPr/>
+          </a:p>
         </p:txBody>
       </p:sp>
     </p:spTree>
+    <p:extLst>
+      <p:ext uri="{BB962C8B-B14F-4D97-AF65-F5344CB8AC3E}">
+        <p14:creationId xmlns:p14="http://schemas.microsoft.com/office/powerpoint/2010/main" val="2417219955"/>
+      </p:ext>
+    </p:extLst>
   </p:cSld>
-  <p:clrMap accent2="accent2" accent3="accent3" accent4="accent4" accent5="accent5" accent6="accent6" hlink="hlink" tx2="lt2" tx1="dk1" bg2="dk2" bg1="lt1" folHlink="folHlink" accent1="accent1"/>
+  <p:clrMap bg1="lt1" tx1="dk1" bg2="dk2" tx2="lt2" accent1="accent1" accent2="accent2" accent3="accent3" accent4="accent4" accent5="accent5" accent6="accent6" hlink="hlink" folHlink="folHlink"/>
+  <p:notesStyle>
+    <a:lvl1pPr marL="0" algn="l" defTabSz="914400" rtl="0" eaLnBrk="1" latinLnBrk="0" hangingPunct="1">
+      <a:defRPr sz="1200" kern="1200">
+        <a:solidFill>
+          <a:schemeClr val="tx1"/>
+        </a:solidFill>
+        <a:latin typeface="+mn-lt"/>
+        <a:ea typeface="+mn-ea"/>
+        <a:cs typeface="+mn-cs"/>
+      </a:defRPr>
+    </a:lvl1pPr>
+    <a:lvl2pPr marL="457200" algn="l" defTabSz="914400" rtl="0" eaLnBrk="1" latinLnBrk="0" hangingPunct="1">
+      <a:defRPr sz="1200" kern="1200">
+        <a:solidFill>
+          <a:schemeClr val="tx1"/>
+        </a:solidFill>
+        <a:latin typeface="+mn-lt"/>
+        <a:ea typeface="+mn-ea"/>
+        <a:cs typeface="+mn-cs"/>
+      </a:defRPr>
+    </a:lvl2pPr>
+    <a:lvl3pPr marL="914400" algn="l" defTabSz="914400" rtl="0" eaLnBrk="1" latinLnBrk="0" hangingPunct="1">
+      <a:defRPr sz="1200" kern="1200">
+        <a:solidFill>
+          <a:schemeClr val="tx1"/>
+        </a:solidFill>
+        <a:latin typeface="+mn-lt"/>
+        <a:ea typeface="+mn-ea"/>
+        <a:cs typeface="+mn-cs"/>
+      </a:defRPr>
+    </a:lvl3pPr>
+    <a:lvl4pPr marL="1371600" algn="l" defTabSz="914400" rtl="0" eaLnBrk="1" latinLnBrk="0" hangingPunct="1">
+      <a:defRPr sz="1200" kern="1200">
+        <a:solidFill>
+          <a:schemeClr val="tx1"/>
+        </a:solidFill>
+        <a:latin typeface="+mn-lt"/>
+        <a:ea typeface="+mn-ea"/>
+        <a:cs typeface="+mn-cs"/>
+      </a:defRPr>
+    </a:lvl4pPr>
+    <a:lvl5pPr marL="1828800" algn="l" defTabSz="914400" rtl="0" eaLnBrk="1" latinLnBrk="0" hangingPunct="1">
+      <a:defRPr sz="1200" kern="1200">
+        <a:solidFill>
+          <a:schemeClr val="tx1"/>
+        </a:solidFill>
+        <a:latin typeface="+mn-lt"/>
+        <a:ea typeface="+mn-ea"/>
+        <a:cs typeface="+mn-cs"/>
+      </a:defRPr>
+    </a:lvl5pPr>
+    <a:lvl6pPr marL="2286000" algn="l" defTabSz="914400" rtl="0" eaLnBrk="1" latinLnBrk="0" hangingPunct="1">
+      <a:defRPr sz="1200" kern="1200">
+        <a:solidFill>
+          <a:schemeClr val="tx1"/>
+        </a:solidFill>
+        <a:latin typeface="+mn-lt"/>
+        <a:ea typeface="+mn-ea"/>
+        <a:cs typeface="+mn-cs"/>
+      </a:defRPr>
+    </a:lvl6pPr>
+    <a:lvl7pPr marL="2743200" algn="l" defTabSz="914400" rtl="0" eaLnBrk="1" latinLnBrk="0" hangingPunct="1">
+      <a:defRPr sz="1200" kern="1200">
+        <a:solidFill>
+          <a:schemeClr val="tx1"/>
+        </a:solidFill>
+        <a:latin typeface="+mn-lt"/>
+        <a:ea typeface="+mn-ea"/>
+        <a:cs typeface="+mn-cs"/>
+      </a:defRPr>
+    </a:lvl7pPr>
+    <a:lvl8pPr marL="3200400" algn="l" defTabSz="914400" rtl="0" eaLnBrk="1" latinLnBrk="0" hangingPunct="1">
+      <a:defRPr sz="1200" kern="1200">
+        <a:solidFill>
+          <a:schemeClr val="tx1"/>
+        </a:solidFill>
+        <a:latin typeface="+mn-lt"/>
+        <a:ea typeface="+mn-ea"/>
+        <a:cs typeface="+mn-cs"/>
+      </a:defRPr>
+    </a:lvl8pPr>
+    <a:lvl9pPr marL="3657600" algn="l" defTabSz="914400" rtl="0" eaLnBrk="1" latinLnBrk="0" hangingPunct="1">
+      <a:defRPr sz="1200" kern="1200">
+        <a:solidFill>
+          <a:schemeClr val="tx1"/>
+        </a:solidFill>
+        <a:latin typeface="+mn-lt"/>
+        <a:ea typeface="+mn-ea"/>
+        <a:cs typeface="+mn-cs"/>
+      </a:defRPr>
+    </a:lvl9pPr>
+  </p:notesStyle>
 </p:notesMaster>
 </file>
 
 <file path=ppt/notesSlides/notesSlide1.xml><?xml version="1.0" encoding="utf-8"?>
-<p:notes xmlns:a="http://schemas.openxmlformats.org/drawingml/2006/main" xmlns:r="http://schemas.openxmlformats.org/officeDocument/2006/relationships" xmlns:mc="http://schemas.openxmlformats.org/markup-compatibility/2006" xmlns:mv="urn:schemas-microsoft-com:mac:vml" xmlns:p="http://schemas.openxmlformats.org/presentationml/2006/main" xmlns:c="http://schemas.openxmlformats.org/drawingml/2006/chart" xmlns:dgm="http://schemas.openxmlformats.org/drawingml/2006/diagram" xmlns:o="urn:schemas-microsoft-com:office:office" xmlns:v="urn:schemas-microsoft-com:vml" xmlns:pvml="urn:schemas-microsoft-com:office:powerpoint" xmlns:com="http://schemas.openxmlformats.org/drawingml/2006/compatibility" xmlns:p14="http://schemas.microsoft.com/office/powerpoint/2010/main" showMasterSp="0" showMasterPhAnim="0">
+<p:notes xmlns:a="http://schemas.openxmlformats.org/drawingml/2006/main" xmlns:r="http://schemas.openxmlformats.org/officeDocument/2006/relationships" xmlns:p="http://schemas.openxmlformats.org/presentationml/2006/main" showMasterSp="0" showMasterPhAnim="0">
   <p:cSld>
     <p:spTree>
       <p:nvGrpSpPr>
-        <p:cNvPr id="32" name="Shape 32"/>
+        <p:cNvPr id="1" name="Shape 32"/>
         <p:cNvGrpSpPr/>
         <p:nvPr/>
       </p:nvGrpSpPr>
       <p:grpSpPr>
         <a:xfrm>
-          <a:off y="0" x="0"/>
-          <a:ext cy="0" cx="0"/>
-          <a:chOff y="0" x="0"/>
-          <a:chExt cy="0" cx="0"/>
+          <a:off x="0" y="0"/>
+          <a:ext cx="0" cy="0"/>
+          <a:chOff x="0" y="0"/>
+          <a:chExt cx="0" cy="0"/>
         </a:xfrm>
       </p:grpSpPr>
       <p:sp>
         <p:nvSpPr>
           <p:cNvPr id="33" name="Shape 33"/>
-          <p:cNvSpPr/>
+          <p:cNvSpPr>
+            <a:spLocks noGrp="1" noRot="1" noChangeAspect="1"/>
+          </p:cNvSpPr>
           <p:nvPr>
-            <p:ph idx="2" type="sldImg"/>
+            <p:ph type="sldImg" idx="2"/>
           </p:nvPr>
         </p:nvSpPr>
         <p:spPr>
           <a:xfrm>
-            <a:off y="685800" x="381187"/>
-            <a:ext cy="3429000" cx="6096299"/>
+            <a:off x="381187" y="685800"/>
+            <a:ext cx="6096299" cy="3429000"/>
           </a:xfrm>
           <a:custGeom>
+            <a:avLst/>
+            <a:gdLst/>
+            <a:ahLst/>
+            <a:cxnLst/>
+            <a:rect l="0" t="0" r="0" b="0"/>
             <a:pathLst>
-              <a:path w="120000" extrusionOk="0" h="120000">
+              <a:path w="120000" h="120000" extrusionOk="0">
                 <a:moveTo>
-                  <a:pt y="0" x="0"/>
+                  <a:pt x="0" y="0"/>
                 </a:moveTo>
                 <a:lnTo>
-                  <a:pt y="0" x="120000"/>
+                  <a:pt x="120000" y="0"/>
                 </a:lnTo>
                 <a:lnTo>
-                  <a:pt y="120000" x="120000"/>
+                  <a:pt x="120000" y="120000"/>
                 </a:lnTo>
                 <a:lnTo>
-                  <a:pt y="120000" x="0"/>
+                  <a:pt x="0" y="120000"/>
                 </a:lnTo>
                 <a:close/>
               </a:path>
@@ -434,30 +554,32 @@
             </a:solidFill>
             <a:prstDash val="solid"/>
             <a:round/>
-            <a:headEnd w="med" len="med" type="none"/>
-            <a:tailEnd w="med" len="med" type="none"/>
+            <a:headEnd type="none" w="med" len="med"/>
+            <a:tailEnd type="none" w="med" len="med"/>
           </a:ln>
         </p:spPr>
       </p:sp>
       <p:sp>
         <p:nvSpPr>
           <p:cNvPr id="34" name="Shape 34"/>
-          <p:cNvSpPr txBox="1"/>
+          <p:cNvSpPr txBox="1">
+            <a:spLocks noGrp="1"/>
+          </p:cNvSpPr>
           <p:nvPr>
-            <p:ph idx="1" type="body"/>
+            <p:ph type="body" idx="1"/>
           </p:nvPr>
         </p:nvSpPr>
         <p:spPr>
           <a:xfrm>
-            <a:off y="4343400" x="685800"/>
-            <a:ext cy="4114800" cx="5486399"/>
+            <a:off x="685800" y="4343400"/>
+            <a:ext cx="5486399" cy="4114800"/>
           </a:xfrm>
           <a:prstGeom prst="rect">
             <a:avLst/>
           </a:prstGeom>
         </p:spPr>
         <p:txBody>
-          <a:bodyPr bIns="91425" rIns="91425" lIns="91425" tIns="91425" anchor="t" anchorCtr="0">
+          <a:bodyPr lIns="91425" tIns="91425" rIns="91425" bIns="91425" anchor="t" anchorCtr="0">
             <a:noAutofit/>
           </a:bodyPr>
           <a:lstStyle/>
@@ -468,14 +590,16 @@
               </a:spcBef>
               <a:buNone/>
             </a:pPr>
-            <a:r>
-              <a:t/>
-            </a:r>
             <a:endParaRPr/>
           </a:p>
         </p:txBody>
       </p:sp>
     </p:spTree>
+    <p:extLst>
+      <p:ext uri="{BB962C8B-B14F-4D97-AF65-F5344CB8AC3E}">
+        <p14:creationId xmlns:p14="http://schemas.microsoft.com/office/powerpoint/2010/main" val="1608795255"/>
+      </p:ext>
+    </p:extLst>
   </p:cSld>
   <p:clrMapOvr>
     <a:masterClrMapping/>
@@ -484,49 +608,56 @@
 </file>
 
 <file path=ppt/notesSlides/notesSlide2.xml><?xml version="1.0" encoding="utf-8"?>
-<p:notes xmlns:a="http://schemas.openxmlformats.org/drawingml/2006/main" xmlns:r="http://schemas.openxmlformats.org/officeDocument/2006/relationships" xmlns:mc="http://schemas.openxmlformats.org/markup-compatibility/2006" xmlns:mv="urn:schemas-microsoft-com:mac:vml" xmlns:p="http://schemas.openxmlformats.org/presentationml/2006/main" xmlns:c="http://schemas.openxmlformats.org/drawingml/2006/chart" xmlns:dgm="http://schemas.openxmlformats.org/drawingml/2006/diagram" xmlns:o="urn:schemas-microsoft-com:office:office" xmlns:v="urn:schemas-microsoft-com:vml" xmlns:pvml="urn:schemas-microsoft-com:office:powerpoint" xmlns:com="http://schemas.openxmlformats.org/drawingml/2006/compatibility" xmlns:p14="http://schemas.microsoft.com/office/powerpoint/2010/main" showMasterSp="0" showMasterPhAnim="0">
+<p:notes xmlns:a="http://schemas.openxmlformats.org/drawingml/2006/main" xmlns:r="http://schemas.openxmlformats.org/officeDocument/2006/relationships" xmlns:p="http://schemas.openxmlformats.org/presentationml/2006/main" showMasterSp="0" showMasterPhAnim="0">
   <p:cSld>
     <p:spTree>
       <p:nvGrpSpPr>
-        <p:cNvPr id="38" name="Shape 38"/>
+        <p:cNvPr id="1" name="Shape 38"/>
         <p:cNvGrpSpPr/>
         <p:nvPr/>
       </p:nvGrpSpPr>
       <p:grpSpPr>
         <a:xfrm>
-          <a:off y="0" x="0"/>
-          <a:ext cy="0" cx="0"/>
-          <a:chOff y="0" x="0"/>
-          <a:chExt cy="0" cx="0"/>
+          <a:off x="0" y="0"/>
+          <a:ext cx="0" cy="0"/>
+          <a:chOff x="0" y="0"/>
+          <a:chExt cx="0" cy="0"/>
         </a:xfrm>
       </p:grpSpPr>
       <p:sp>
         <p:nvSpPr>
           <p:cNvPr id="39" name="Shape 39"/>
-          <p:cNvSpPr/>
+          <p:cNvSpPr>
+            <a:spLocks noGrp="1" noRot="1" noChangeAspect="1"/>
+          </p:cNvSpPr>
           <p:nvPr>
-            <p:ph idx="2" type="sldImg"/>
+            <p:ph type="sldImg" idx="2"/>
           </p:nvPr>
         </p:nvSpPr>
         <p:spPr>
           <a:xfrm>
-            <a:off y="685800" x="381187"/>
-            <a:ext cy="3429000" cx="6096299"/>
+            <a:off x="381187" y="685800"/>
+            <a:ext cx="6096299" cy="3429000"/>
           </a:xfrm>
           <a:custGeom>
+            <a:avLst/>
+            <a:gdLst/>
+            <a:ahLst/>
+            <a:cxnLst/>
+            <a:rect l="0" t="0" r="0" b="0"/>
             <a:pathLst>
-              <a:path w="120000" extrusionOk="0" h="120000">
+              <a:path w="120000" h="120000" extrusionOk="0">
                 <a:moveTo>
-                  <a:pt y="0" x="0"/>
+                  <a:pt x="0" y="0"/>
                 </a:moveTo>
                 <a:lnTo>
-                  <a:pt y="0" x="120000"/>
+                  <a:pt x="120000" y="0"/>
                 </a:lnTo>
                 <a:lnTo>
-                  <a:pt y="120000" x="120000"/>
+                  <a:pt x="120000" y="120000"/>
                 </a:lnTo>
                 <a:lnTo>
-                  <a:pt y="120000" x="0"/>
+                  <a:pt x="0" y="120000"/>
                 </a:lnTo>
                 <a:close/>
               </a:path>
@@ -539,30 +670,32 @@
             </a:solidFill>
             <a:prstDash val="solid"/>
             <a:round/>
-            <a:headEnd w="med" len="med" type="none"/>
-            <a:tailEnd w="med" len="med" type="none"/>
+            <a:headEnd type="none" w="med" len="med"/>
+            <a:tailEnd type="none" w="med" len="med"/>
           </a:ln>
         </p:spPr>
       </p:sp>
       <p:sp>
         <p:nvSpPr>
           <p:cNvPr id="40" name="Shape 40"/>
-          <p:cNvSpPr txBox="1"/>
+          <p:cNvSpPr txBox="1">
+            <a:spLocks noGrp="1"/>
+          </p:cNvSpPr>
           <p:nvPr>
-            <p:ph idx="1" type="body"/>
+            <p:ph type="body" idx="1"/>
           </p:nvPr>
         </p:nvSpPr>
         <p:spPr>
           <a:xfrm>
-            <a:off y="4343400" x="685800"/>
-            <a:ext cy="4114800" cx="5486399"/>
+            <a:off x="685800" y="4343400"/>
+            <a:ext cx="5486399" cy="4114800"/>
           </a:xfrm>
           <a:prstGeom prst="rect">
             <a:avLst/>
           </a:prstGeom>
         </p:spPr>
         <p:txBody>
-          <a:bodyPr bIns="91425" rIns="91425" lIns="91425" tIns="91425" anchor="t" anchorCtr="0">
+          <a:bodyPr lIns="91425" tIns="91425" rIns="91425" bIns="91425" anchor="t" anchorCtr="0">
             <a:noAutofit/>
           </a:bodyPr>
           <a:lstStyle/>
@@ -573,14 +706,16 @@
               </a:spcBef>
               <a:buNone/>
             </a:pPr>
-            <a:r>
-              <a:t/>
-            </a:r>
             <a:endParaRPr/>
           </a:p>
         </p:txBody>
       </p:sp>
     </p:spTree>
+    <p:extLst>
+      <p:ext uri="{BB962C8B-B14F-4D97-AF65-F5344CB8AC3E}">
+        <p14:creationId xmlns:p14="http://schemas.microsoft.com/office/powerpoint/2010/main" val="940837985"/>
+      </p:ext>
+    </p:extLst>
   </p:cSld>
   <p:clrMapOvr>
     <a:masterClrMapping/>
@@ -589,49 +724,56 @@
 </file>
 
 <file path=ppt/notesSlides/notesSlide3.xml><?xml version="1.0" encoding="utf-8"?>
-<p:notes xmlns:a="http://schemas.openxmlformats.org/drawingml/2006/main" xmlns:r="http://schemas.openxmlformats.org/officeDocument/2006/relationships" xmlns:mc="http://schemas.openxmlformats.org/markup-compatibility/2006" xmlns:mv="urn:schemas-microsoft-com:mac:vml" xmlns:p="http://schemas.openxmlformats.org/presentationml/2006/main" xmlns:c="http://schemas.openxmlformats.org/drawingml/2006/chart" xmlns:dgm="http://schemas.openxmlformats.org/drawingml/2006/diagram" xmlns:o="urn:schemas-microsoft-com:office:office" xmlns:v="urn:schemas-microsoft-com:vml" xmlns:pvml="urn:schemas-microsoft-com:office:powerpoint" xmlns:com="http://schemas.openxmlformats.org/drawingml/2006/compatibility" xmlns:p14="http://schemas.microsoft.com/office/powerpoint/2010/main" showMasterSp="0" showMasterPhAnim="0">
+<p:notes xmlns:a="http://schemas.openxmlformats.org/drawingml/2006/main" xmlns:r="http://schemas.openxmlformats.org/officeDocument/2006/relationships" xmlns:p="http://schemas.openxmlformats.org/presentationml/2006/main" showMasterSp="0" showMasterPhAnim="0">
   <p:cSld>
     <p:spTree>
       <p:nvGrpSpPr>
-        <p:cNvPr id="44" name="Shape 44"/>
+        <p:cNvPr id="1" name="Shape 44"/>
         <p:cNvGrpSpPr/>
         <p:nvPr/>
       </p:nvGrpSpPr>
       <p:grpSpPr>
         <a:xfrm>
-          <a:off y="0" x="0"/>
-          <a:ext cy="0" cx="0"/>
-          <a:chOff y="0" x="0"/>
-          <a:chExt cy="0" cx="0"/>
+          <a:off x="0" y="0"/>
+          <a:ext cx="0" cy="0"/>
+          <a:chOff x="0" y="0"/>
+          <a:chExt cx="0" cy="0"/>
         </a:xfrm>
       </p:grpSpPr>
       <p:sp>
         <p:nvSpPr>
           <p:cNvPr id="45" name="Shape 45"/>
-          <p:cNvSpPr/>
+          <p:cNvSpPr>
+            <a:spLocks noGrp="1" noRot="1" noChangeAspect="1"/>
+          </p:cNvSpPr>
           <p:nvPr>
-            <p:ph idx="2" type="sldImg"/>
+            <p:ph type="sldImg" idx="2"/>
           </p:nvPr>
         </p:nvSpPr>
         <p:spPr>
           <a:xfrm>
-            <a:off y="685800" x="381187"/>
-            <a:ext cy="3429000" cx="6096299"/>
+            <a:off x="381187" y="685800"/>
+            <a:ext cx="6096299" cy="3429000"/>
           </a:xfrm>
           <a:custGeom>
+            <a:avLst/>
+            <a:gdLst/>
+            <a:ahLst/>
+            <a:cxnLst/>
+            <a:rect l="0" t="0" r="0" b="0"/>
             <a:pathLst>
-              <a:path w="120000" extrusionOk="0" h="120000">
+              <a:path w="120000" h="120000" extrusionOk="0">
                 <a:moveTo>
-                  <a:pt y="0" x="0"/>
+                  <a:pt x="0" y="0"/>
                 </a:moveTo>
                 <a:lnTo>
-                  <a:pt y="0" x="120000"/>
+                  <a:pt x="120000" y="0"/>
                 </a:lnTo>
                 <a:lnTo>
-                  <a:pt y="120000" x="120000"/>
+                  <a:pt x="120000" y="120000"/>
                 </a:lnTo>
                 <a:lnTo>
-                  <a:pt y="120000" x="0"/>
+                  <a:pt x="0" y="120000"/>
                 </a:lnTo>
                 <a:close/>
               </a:path>
@@ -644,30 +786,32 @@
             </a:solidFill>
             <a:prstDash val="solid"/>
             <a:round/>
-            <a:headEnd w="med" len="med" type="none"/>
-            <a:tailEnd w="med" len="med" type="none"/>
+            <a:headEnd type="none" w="med" len="med"/>
+            <a:tailEnd type="none" w="med" len="med"/>
           </a:ln>
         </p:spPr>
       </p:sp>
       <p:sp>
         <p:nvSpPr>
           <p:cNvPr id="46" name="Shape 46"/>
-          <p:cNvSpPr txBox="1"/>
+          <p:cNvSpPr txBox="1">
+            <a:spLocks noGrp="1"/>
+          </p:cNvSpPr>
           <p:nvPr>
-            <p:ph idx="1" type="body"/>
+            <p:ph type="body" idx="1"/>
           </p:nvPr>
         </p:nvSpPr>
         <p:spPr>
           <a:xfrm>
-            <a:off y="4343400" x="685800"/>
-            <a:ext cy="4114800" cx="5486399"/>
+            <a:off x="685800" y="4343400"/>
+            <a:ext cx="5486399" cy="4114800"/>
           </a:xfrm>
           <a:prstGeom prst="rect">
             <a:avLst/>
           </a:prstGeom>
         </p:spPr>
         <p:txBody>
-          <a:bodyPr bIns="91425" rIns="91425" lIns="91425" tIns="91425" anchor="t" anchorCtr="0">
+          <a:bodyPr lIns="91425" tIns="91425" rIns="91425" bIns="91425" anchor="t" anchorCtr="0">
             <a:noAutofit/>
           </a:bodyPr>
           <a:lstStyle/>
@@ -678,14 +822,16 @@
               </a:spcBef>
               <a:buNone/>
             </a:pPr>
-            <a:r>
-              <a:t/>
-            </a:r>
             <a:endParaRPr/>
           </a:p>
         </p:txBody>
       </p:sp>
     </p:spTree>
+    <p:extLst>
+      <p:ext uri="{BB962C8B-B14F-4D97-AF65-F5344CB8AC3E}">
+        <p14:creationId xmlns:p14="http://schemas.microsoft.com/office/powerpoint/2010/main" val="1034587139"/>
+      </p:ext>
+    </p:extLst>
   </p:cSld>
   <p:clrMapOvr>
     <a:masterClrMapping/>
@@ -694,49 +840,56 @@
 </file>
 
 <file path=ppt/notesSlides/notesSlide4.xml><?xml version="1.0" encoding="utf-8"?>
-<p:notes xmlns:a="http://schemas.openxmlformats.org/drawingml/2006/main" xmlns:r="http://schemas.openxmlformats.org/officeDocument/2006/relationships" xmlns:mc="http://schemas.openxmlformats.org/markup-compatibility/2006" xmlns:mv="urn:schemas-microsoft-com:mac:vml" xmlns:p="http://schemas.openxmlformats.org/presentationml/2006/main" xmlns:c="http://schemas.openxmlformats.org/drawingml/2006/chart" xmlns:dgm="http://schemas.openxmlformats.org/drawingml/2006/diagram" xmlns:o="urn:schemas-microsoft-com:office:office" xmlns:v="urn:schemas-microsoft-com:vml" xmlns:pvml="urn:schemas-microsoft-com:office:powerpoint" xmlns:com="http://schemas.openxmlformats.org/drawingml/2006/compatibility" xmlns:p14="http://schemas.microsoft.com/office/powerpoint/2010/main" showMasterSp="0" showMasterPhAnim="0">
+<p:notes xmlns:a="http://schemas.openxmlformats.org/drawingml/2006/main" xmlns:r="http://schemas.openxmlformats.org/officeDocument/2006/relationships" xmlns:p="http://schemas.openxmlformats.org/presentationml/2006/main" showMasterSp="0" showMasterPhAnim="0">
   <p:cSld>
     <p:spTree>
       <p:nvGrpSpPr>
-        <p:cNvPr id="50" name="Shape 50"/>
+        <p:cNvPr id="1" name="Shape 50"/>
         <p:cNvGrpSpPr/>
         <p:nvPr/>
       </p:nvGrpSpPr>
       <p:grpSpPr>
         <a:xfrm>
-          <a:off y="0" x="0"/>
-          <a:ext cy="0" cx="0"/>
-          <a:chOff y="0" x="0"/>
-          <a:chExt cy="0" cx="0"/>
+          <a:off x="0" y="0"/>
+          <a:ext cx="0" cy="0"/>
+          <a:chOff x="0" y="0"/>
+          <a:chExt cx="0" cy="0"/>
         </a:xfrm>
       </p:grpSpPr>
       <p:sp>
         <p:nvSpPr>
           <p:cNvPr id="51" name="Shape 51"/>
-          <p:cNvSpPr/>
+          <p:cNvSpPr>
+            <a:spLocks noGrp="1" noRot="1" noChangeAspect="1"/>
+          </p:cNvSpPr>
           <p:nvPr>
-            <p:ph idx="2" type="sldImg"/>
+            <p:ph type="sldImg" idx="2"/>
           </p:nvPr>
         </p:nvSpPr>
         <p:spPr>
           <a:xfrm>
-            <a:off y="685800" x="381187"/>
-            <a:ext cy="3429000" cx="6096299"/>
+            <a:off x="381000" y="685800"/>
+            <a:ext cx="6096000" cy="3429000"/>
           </a:xfrm>
           <a:custGeom>
+            <a:avLst/>
+            <a:gdLst/>
+            <a:ahLst/>
+            <a:cxnLst/>
+            <a:rect l="0" t="0" r="0" b="0"/>
             <a:pathLst>
-              <a:path w="120000" extrusionOk="0" h="120000">
+              <a:path w="120000" h="120000" extrusionOk="0">
                 <a:moveTo>
-                  <a:pt y="0" x="0"/>
+                  <a:pt x="0" y="0"/>
                 </a:moveTo>
                 <a:lnTo>
-                  <a:pt y="0" x="120000"/>
+                  <a:pt x="120000" y="0"/>
                 </a:lnTo>
                 <a:lnTo>
-                  <a:pt y="120000" x="120000"/>
+                  <a:pt x="120000" y="120000"/>
                 </a:lnTo>
                 <a:lnTo>
-                  <a:pt y="120000" x="0"/>
+                  <a:pt x="0" y="120000"/>
                 </a:lnTo>
                 <a:close/>
               </a:path>
@@ -749,30 +902,32 @@
             </a:solidFill>
             <a:prstDash val="solid"/>
             <a:round/>
-            <a:headEnd w="med" len="med" type="none"/>
-            <a:tailEnd w="med" len="med" type="none"/>
+            <a:headEnd type="none" w="med" len="med"/>
+            <a:tailEnd type="none" w="med" len="med"/>
           </a:ln>
         </p:spPr>
       </p:sp>
       <p:sp>
         <p:nvSpPr>
           <p:cNvPr id="52" name="Shape 52"/>
-          <p:cNvSpPr txBox="1"/>
+          <p:cNvSpPr txBox="1">
+            <a:spLocks noGrp="1"/>
+          </p:cNvSpPr>
           <p:nvPr>
-            <p:ph idx="1" type="body"/>
+            <p:ph type="body" idx="1"/>
           </p:nvPr>
         </p:nvSpPr>
         <p:spPr>
           <a:xfrm>
-            <a:off y="4343400" x="685800"/>
-            <a:ext cy="4114800" cx="5486399"/>
+            <a:off x="685800" y="4343400"/>
+            <a:ext cx="5486399" cy="4114800"/>
           </a:xfrm>
           <a:prstGeom prst="rect">
             <a:avLst/>
           </a:prstGeom>
         </p:spPr>
         <p:txBody>
-          <a:bodyPr bIns="91425" rIns="91425" lIns="91425" tIns="91425" anchor="t" anchorCtr="0">
+          <a:bodyPr lIns="91425" tIns="91425" rIns="91425" bIns="91425" anchor="t" anchorCtr="0">
             <a:noAutofit/>
           </a:bodyPr>
           <a:lstStyle/>
@@ -783,14 +938,16 @@
               </a:spcBef>
               <a:buNone/>
             </a:pPr>
-            <a:r>
-              <a:t/>
-            </a:r>
             <a:endParaRPr/>
           </a:p>
         </p:txBody>
       </p:sp>
     </p:spTree>
+    <p:extLst>
+      <p:ext uri="{BB962C8B-B14F-4D97-AF65-F5344CB8AC3E}">
+        <p14:creationId xmlns:p14="http://schemas.microsoft.com/office/powerpoint/2010/main" val="1718088292"/>
+      </p:ext>
+    </p:extLst>
   </p:cSld>
   <p:clrMapOvr>
     <a:masterClrMapping/>
@@ -799,41 +956,43 @@
 </file>
 
 <file path=ppt/slideLayouts/slideLayout1.xml><?xml version="1.0" encoding="utf-8"?>
-<p:sldLayout xmlns:a="http://schemas.openxmlformats.org/drawingml/2006/main" xmlns:r="http://schemas.openxmlformats.org/officeDocument/2006/relationships" xmlns:mc="http://schemas.openxmlformats.org/markup-compatibility/2006" xmlns:mv="urn:schemas-microsoft-com:mac:vml" xmlns:p="http://schemas.openxmlformats.org/presentationml/2006/main" xmlns:c="http://schemas.openxmlformats.org/drawingml/2006/chart" xmlns:dgm="http://schemas.openxmlformats.org/drawingml/2006/diagram" xmlns:o="urn:schemas-microsoft-com:office:office" xmlns:v="urn:schemas-microsoft-com:vml" xmlns:pvml="urn:schemas-microsoft-com:office:powerpoint" xmlns:com="http://schemas.openxmlformats.org/drawingml/2006/compatibility" xmlns:p14="http://schemas.microsoft.com/office/powerpoint/2010/main" type="title">
+<p:sldLayout xmlns:a="http://schemas.openxmlformats.org/drawingml/2006/main" xmlns:r="http://schemas.openxmlformats.org/officeDocument/2006/relationships" xmlns:p="http://schemas.openxmlformats.org/presentationml/2006/main" type="title">
   <p:cSld name="Title Slide">
     <p:spTree>
       <p:nvGrpSpPr>
-        <p:cNvPr id="8" name="Shape 8"/>
+        <p:cNvPr id="1" name="Shape 8"/>
         <p:cNvGrpSpPr/>
         <p:nvPr/>
       </p:nvGrpSpPr>
       <p:grpSpPr>
         <a:xfrm>
-          <a:off y="0" x="0"/>
-          <a:ext cy="0" cx="0"/>
-          <a:chOff y="0" x="0"/>
-          <a:chExt cy="0" cx="0"/>
+          <a:off x="0" y="0"/>
+          <a:ext cx="0" cy="0"/>
+          <a:chOff x="0" y="0"/>
+          <a:chExt cx="0" cy="0"/>
         </a:xfrm>
       </p:grpSpPr>
       <p:sp>
         <p:nvSpPr>
           <p:cNvPr id="9" name="Shape 9"/>
-          <p:cNvSpPr txBox="1"/>
+          <p:cNvSpPr txBox="1">
+            <a:spLocks noGrp="1"/>
+          </p:cNvSpPr>
           <p:nvPr>
-            <p:ph idx="1" type="subTitle"/>
+            <p:ph type="subTitle" idx="1"/>
           </p:nvPr>
         </p:nvSpPr>
         <p:spPr>
           <a:xfrm>
-            <a:off y="2840053" x="685800"/>
-            <a:ext cy="784799" cx="7772400"/>
+            <a:off x="685800" y="2840053"/>
+            <a:ext cx="7772400" cy="784799"/>
           </a:xfrm>
           <a:prstGeom prst="rect">
             <a:avLst/>
           </a:prstGeom>
         </p:spPr>
         <p:txBody>
-          <a:bodyPr bIns="91425" rIns="91425" lIns="91425" tIns="91425" anchor="t" anchorCtr="0"/>
+          <a:bodyPr lIns="91425" tIns="91425" rIns="91425" bIns="91425" anchor="t" anchorCtr="0"/>
           <a:lstStyle>
             <a:lvl1pPr algn="ctr">
               <a:spcBef>
@@ -970,28 +1129,32 @@
               </a:defRPr>
             </a:lvl9pPr>
           </a:lstStyle>
-          <a:p/>
+          <a:p>
+            <a:endParaRPr/>
+          </a:p>
         </p:txBody>
       </p:sp>
       <p:sp>
         <p:nvSpPr>
           <p:cNvPr id="10" name="Shape 10"/>
-          <p:cNvSpPr txBox="1"/>
+          <p:cNvSpPr txBox="1">
+            <a:spLocks noGrp="1"/>
+          </p:cNvSpPr>
           <p:nvPr>
             <p:ph type="ctrTitle"/>
           </p:nvPr>
         </p:nvSpPr>
         <p:spPr>
           <a:xfrm>
-            <a:off y="1583342" x="685800"/>
-            <a:ext cy="1159799" cx="7772400"/>
+            <a:off x="685800" y="1583342"/>
+            <a:ext cx="7772400" cy="1159799"/>
           </a:xfrm>
           <a:prstGeom prst="rect">
             <a:avLst/>
           </a:prstGeom>
         </p:spPr>
         <p:txBody>
-          <a:bodyPr bIns="91425" rIns="91425" lIns="91425" tIns="91425" anchor="b" anchorCtr="0"/>
+          <a:bodyPr lIns="91425" tIns="91425" rIns="91425" bIns="91425" anchor="b" anchorCtr="0"/>
           <a:lstStyle>
             <a:lvl1pPr algn="ctr">
               <a:spcBef>
@@ -1057,28 +1220,32 @@
               <a:defRPr sz="4800"/>
             </a:lvl9pPr>
           </a:lstStyle>
-          <a:p/>
+          <a:p>
+            <a:endParaRPr/>
+          </a:p>
         </p:txBody>
       </p:sp>
       <p:sp>
         <p:nvSpPr>
           <p:cNvPr id="11" name="Shape 11"/>
-          <p:cNvSpPr txBox="1"/>
+          <p:cNvSpPr txBox="1">
+            <a:spLocks noGrp="1"/>
+          </p:cNvSpPr>
           <p:nvPr>
-            <p:ph idx="12" type="sldNum"/>
+            <p:ph type="sldNum" idx="12"/>
           </p:nvPr>
         </p:nvSpPr>
         <p:spPr>
           <a:xfrm>
-            <a:off y="4749850" x="8556791"/>
-            <a:ext cy="393600" cx="548699"/>
+            <a:off x="8556791" y="4749850"/>
+            <a:ext cx="548699" cy="393600"/>
           </a:xfrm>
           <a:prstGeom prst="rect">
             <a:avLst/>
           </a:prstGeom>
         </p:spPr>
         <p:txBody>
-          <a:bodyPr bIns="91425" rIns="91425" lIns="91425" tIns="91425" anchor="ctr" anchorCtr="0">
+          <a:bodyPr lIns="91425" tIns="91425" rIns="91425" bIns="91425" anchor="ctr" anchorCtr="0">
             <a:noAutofit/>
           </a:bodyPr>
           <a:lstStyle>
@@ -1101,6 +1268,7 @@
               <a:rPr lang="en-GB"/>
               <a:t>‹#›</a:t>
             </a:fld>
+            <a:endParaRPr lang="en-GB"/>
           </a:p>
         </p:txBody>
       </p:sp>
@@ -1113,41 +1281,43 @@
 </file>
 
 <file path=ppt/slideLayouts/slideLayout2.xml><?xml version="1.0" encoding="utf-8"?>
-<p:sldLayout xmlns:a="http://schemas.openxmlformats.org/drawingml/2006/main" xmlns:r="http://schemas.openxmlformats.org/officeDocument/2006/relationships" xmlns:mc="http://schemas.openxmlformats.org/markup-compatibility/2006" xmlns:mv="urn:schemas-microsoft-com:mac:vml" xmlns:p="http://schemas.openxmlformats.org/presentationml/2006/main" xmlns:c="http://schemas.openxmlformats.org/drawingml/2006/chart" xmlns:dgm="http://schemas.openxmlformats.org/drawingml/2006/diagram" xmlns:o="urn:schemas-microsoft-com:office:office" xmlns:v="urn:schemas-microsoft-com:vml" xmlns:pvml="urn:schemas-microsoft-com:office:powerpoint" xmlns:com="http://schemas.openxmlformats.org/drawingml/2006/compatibility" xmlns:p14="http://schemas.microsoft.com/office/powerpoint/2010/main" type="tx">
+<p:sldLayout xmlns:a="http://schemas.openxmlformats.org/drawingml/2006/main" xmlns:r="http://schemas.openxmlformats.org/officeDocument/2006/relationships" xmlns:p="http://schemas.openxmlformats.org/presentationml/2006/main" type="tx">
   <p:cSld name="Title and Body">
     <p:spTree>
       <p:nvGrpSpPr>
-        <p:cNvPr id="12" name="Shape 12"/>
+        <p:cNvPr id="1" name="Shape 12"/>
         <p:cNvGrpSpPr/>
         <p:nvPr/>
       </p:nvGrpSpPr>
       <p:grpSpPr>
         <a:xfrm>
-          <a:off y="0" x="0"/>
-          <a:ext cy="0" cx="0"/>
-          <a:chOff y="0" x="0"/>
-          <a:chExt cy="0" cx="0"/>
+          <a:off x="0" y="0"/>
+          <a:ext cx="0" cy="0"/>
+          <a:chOff x="0" y="0"/>
+          <a:chExt cx="0" cy="0"/>
         </a:xfrm>
       </p:grpSpPr>
       <p:sp>
         <p:nvSpPr>
           <p:cNvPr id="13" name="Shape 13"/>
-          <p:cNvSpPr txBox="1"/>
+          <p:cNvSpPr txBox="1">
+            <a:spLocks noGrp="1"/>
+          </p:cNvSpPr>
           <p:nvPr>
             <p:ph type="title"/>
           </p:nvPr>
         </p:nvSpPr>
         <p:spPr>
           <a:xfrm>
-            <a:off y="205978" x="457200"/>
-            <a:ext cy="857400" cx="8229600"/>
+            <a:off x="457200" y="205978"/>
+            <a:ext cx="8229600" cy="857400"/>
           </a:xfrm>
           <a:prstGeom prst="rect">
             <a:avLst/>
           </a:prstGeom>
         </p:spPr>
         <p:txBody>
-          <a:bodyPr bIns="91425" rIns="91425" lIns="91425" tIns="91425" anchor="b" anchorCtr="0"/>
+          <a:bodyPr lIns="91425" tIns="91425" rIns="91425" bIns="91425" anchor="b" anchorCtr="0"/>
           <a:lstStyle>
             <a:lvl1pPr>
               <a:spcBef>
@@ -1204,28 +1374,32 @@
               <a:defRPr/>
             </a:lvl9pPr>
           </a:lstStyle>
-          <a:p/>
+          <a:p>
+            <a:endParaRPr/>
+          </a:p>
         </p:txBody>
       </p:sp>
       <p:sp>
         <p:nvSpPr>
           <p:cNvPr id="14" name="Shape 14"/>
-          <p:cNvSpPr txBox="1"/>
+          <p:cNvSpPr txBox="1">
+            <a:spLocks noGrp="1"/>
+          </p:cNvSpPr>
           <p:nvPr>
-            <p:ph idx="1" type="body"/>
+            <p:ph type="body" idx="1"/>
           </p:nvPr>
         </p:nvSpPr>
         <p:spPr>
           <a:xfrm>
-            <a:off y="1200150" x="457200"/>
-            <a:ext cy="3725699" cx="8229600"/>
+            <a:off x="457200" y="1200150"/>
+            <a:ext cx="8229600" cy="3725699"/>
           </a:xfrm>
           <a:prstGeom prst="rect">
             <a:avLst/>
           </a:prstGeom>
         </p:spPr>
         <p:txBody>
-          <a:bodyPr bIns="91425" rIns="91425" lIns="91425" tIns="91425" anchor="t" anchorCtr="0"/>
+          <a:bodyPr lIns="91425" tIns="91425" rIns="91425" bIns="91425" anchor="t" anchorCtr="0"/>
           <a:lstStyle>
             <a:lvl1pPr>
               <a:spcBef>
@@ -1282,28 +1456,32 @@
               <a:defRPr/>
             </a:lvl9pPr>
           </a:lstStyle>
-          <a:p/>
+          <a:p>
+            <a:endParaRPr/>
+          </a:p>
         </p:txBody>
       </p:sp>
       <p:sp>
         <p:nvSpPr>
           <p:cNvPr id="15" name="Shape 15"/>
-          <p:cNvSpPr txBox="1"/>
+          <p:cNvSpPr txBox="1">
+            <a:spLocks noGrp="1"/>
+          </p:cNvSpPr>
           <p:nvPr>
-            <p:ph idx="12" type="sldNum"/>
+            <p:ph type="sldNum" idx="12"/>
           </p:nvPr>
         </p:nvSpPr>
         <p:spPr>
           <a:xfrm>
-            <a:off y="4749850" x="8556791"/>
-            <a:ext cy="393600" cx="548699"/>
+            <a:off x="8556791" y="4749850"/>
+            <a:ext cx="548699" cy="393600"/>
           </a:xfrm>
           <a:prstGeom prst="rect">
             <a:avLst/>
           </a:prstGeom>
         </p:spPr>
         <p:txBody>
-          <a:bodyPr bIns="91425" rIns="91425" lIns="91425" tIns="91425" anchor="ctr" anchorCtr="0">
+          <a:bodyPr lIns="91425" tIns="91425" rIns="91425" bIns="91425" anchor="ctr" anchorCtr="0">
             <a:noAutofit/>
           </a:bodyPr>
           <a:lstStyle>
@@ -1326,6 +1504,7 @@
               <a:rPr lang="en-GB"/>
               <a:t>‹#›</a:t>
             </a:fld>
+            <a:endParaRPr lang="en-GB"/>
           </a:p>
         </p:txBody>
       </p:sp>
@@ -1338,41 +1517,43 @@
 </file>
 
 <file path=ppt/slideLayouts/slideLayout3.xml><?xml version="1.0" encoding="utf-8"?>
-<p:sldLayout xmlns:a="http://schemas.openxmlformats.org/drawingml/2006/main" xmlns:r="http://schemas.openxmlformats.org/officeDocument/2006/relationships" xmlns:mc="http://schemas.openxmlformats.org/markup-compatibility/2006" xmlns:mv="urn:schemas-microsoft-com:mac:vml" xmlns:p="http://schemas.openxmlformats.org/presentationml/2006/main" xmlns:c="http://schemas.openxmlformats.org/drawingml/2006/chart" xmlns:dgm="http://schemas.openxmlformats.org/drawingml/2006/diagram" xmlns:o="urn:schemas-microsoft-com:office:office" xmlns:v="urn:schemas-microsoft-com:vml" xmlns:pvml="urn:schemas-microsoft-com:office:powerpoint" xmlns:com="http://schemas.openxmlformats.org/drawingml/2006/compatibility" xmlns:p14="http://schemas.microsoft.com/office/powerpoint/2010/main" type="twoColTx">
+<p:sldLayout xmlns:a="http://schemas.openxmlformats.org/drawingml/2006/main" xmlns:r="http://schemas.openxmlformats.org/officeDocument/2006/relationships" xmlns:p="http://schemas.openxmlformats.org/presentationml/2006/main" type="twoColTx">
   <p:cSld name="Title and Two Columns">
     <p:spTree>
       <p:nvGrpSpPr>
-        <p:cNvPr id="16" name="Shape 16"/>
+        <p:cNvPr id="1" name="Shape 16"/>
         <p:cNvGrpSpPr/>
         <p:nvPr/>
       </p:nvGrpSpPr>
       <p:grpSpPr>
         <a:xfrm>
-          <a:off y="0" x="0"/>
-          <a:ext cy="0" cx="0"/>
-          <a:chOff y="0" x="0"/>
-          <a:chExt cy="0" cx="0"/>
+          <a:off x="0" y="0"/>
+          <a:ext cx="0" cy="0"/>
+          <a:chOff x="0" y="0"/>
+          <a:chExt cx="0" cy="0"/>
         </a:xfrm>
       </p:grpSpPr>
       <p:sp>
         <p:nvSpPr>
           <p:cNvPr id="17" name="Shape 17"/>
-          <p:cNvSpPr txBox="1"/>
+          <p:cNvSpPr txBox="1">
+            <a:spLocks noGrp="1"/>
+          </p:cNvSpPr>
           <p:nvPr>
             <p:ph type="title"/>
           </p:nvPr>
         </p:nvSpPr>
         <p:spPr>
           <a:xfrm>
-            <a:off y="205978" x="457200"/>
-            <a:ext cy="857400" cx="8229600"/>
+            <a:off x="457200" y="205978"/>
+            <a:ext cx="8229600" cy="857400"/>
           </a:xfrm>
           <a:prstGeom prst="rect">
             <a:avLst/>
           </a:prstGeom>
         </p:spPr>
         <p:txBody>
-          <a:bodyPr bIns="91425" rIns="91425" lIns="91425" tIns="91425" anchor="b" anchorCtr="0"/>
+          <a:bodyPr lIns="91425" tIns="91425" rIns="91425" bIns="91425" anchor="b" anchorCtr="0"/>
           <a:lstStyle>
             <a:lvl1pPr>
               <a:spcBef>
@@ -1429,28 +1610,32 @@
               <a:defRPr/>
             </a:lvl9pPr>
           </a:lstStyle>
-          <a:p/>
+          <a:p>
+            <a:endParaRPr/>
+          </a:p>
         </p:txBody>
       </p:sp>
       <p:sp>
         <p:nvSpPr>
           <p:cNvPr id="18" name="Shape 18"/>
-          <p:cNvSpPr txBox="1"/>
+          <p:cNvSpPr txBox="1">
+            <a:spLocks noGrp="1"/>
+          </p:cNvSpPr>
           <p:nvPr>
-            <p:ph idx="1" type="body"/>
+            <p:ph type="body" idx="1"/>
           </p:nvPr>
         </p:nvSpPr>
         <p:spPr>
           <a:xfrm>
-            <a:off y="1200150" x="457200"/>
-            <a:ext cy="3725699" cx="3994500"/>
+            <a:off x="457200" y="1200150"/>
+            <a:ext cx="3994500" cy="3725699"/>
           </a:xfrm>
           <a:prstGeom prst="rect">
             <a:avLst/>
           </a:prstGeom>
         </p:spPr>
         <p:txBody>
-          <a:bodyPr bIns="91425" rIns="91425" lIns="91425" tIns="91425" anchor="t" anchorCtr="0"/>
+          <a:bodyPr lIns="91425" tIns="91425" rIns="91425" bIns="91425" anchor="t" anchorCtr="0"/>
           <a:lstStyle>
             <a:lvl1pPr>
               <a:spcBef>
@@ -1507,28 +1692,32 @@
               <a:defRPr/>
             </a:lvl9pPr>
           </a:lstStyle>
-          <a:p/>
+          <a:p>
+            <a:endParaRPr/>
+          </a:p>
         </p:txBody>
       </p:sp>
       <p:sp>
         <p:nvSpPr>
           <p:cNvPr id="19" name="Shape 19"/>
-          <p:cNvSpPr txBox="1"/>
+          <p:cNvSpPr txBox="1">
+            <a:spLocks noGrp="1"/>
+          </p:cNvSpPr>
           <p:nvPr>
-            <p:ph idx="2" type="body"/>
+            <p:ph type="body" idx="2"/>
           </p:nvPr>
         </p:nvSpPr>
         <p:spPr>
           <a:xfrm>
-            <a:off y="1200150" x="4692273"/>
-            <a:ext cy="3725699" cx="3994500"/>
+            <a:off x="4692273" y="1200150"/>
+            <a:ext cx="3994500" cy="3725699"/>
           </a:xfrm>
           <a:prstGeom prst="rect">
             <a:avLst/>
           </a:prstGeom>
         </p:spPr>
         <p:txBody>
-          <a:bodyPr bIns="91425" rIns="91425" lIns="91425" tIns="91425" anchor="t" anchorCtr="0"/>
+          <a:bodyPr lIns="91425" tIns="91425" rIns="91425" bIns="91425" anchor="t" anchorCtr="0"/>
           <a:lstStyle>
             <a:lvl1pPr>
               <a:spcBef>
@@ -1585,28 +1774,32 @@
               <a:defRPr/>
             </a:lvl9pPr>
           </a:lstStyle>
-          <a:p/>
+          <a:p>
+            <a:endParaRPr/>
+          </a:p>
         </p:txBody>
       </p:sp>
       <p:sp>
         <p:nvSpPr>
           <p:cNvPr id="20" name="Shape 20"/>
-          <p:cNvSpPr txBox="1"/>
+          <p:cNvSpPr txBox="1">
+            <a:spLocks noGrp="1"/>
+          </p:cNvSpPr>
           <p:nvPr>
-            <p:ph idx="12" type="sldNum"/>
+            <p:ph type="sldNum" idx="12"/>
           </p:nvPr>
         </p:nvSpPr>
         <p:spPr>
           <a:xfrm>
-            <a:off y="4749850" x="8556791"/>
-            <a:ext cy="393600" cx="548699"/>
+            <a:off x="8556791" y="4749850"/>
+            <a:ext cx="548699" cy="393600"/>
           </a:xfrm>
           <a:prstGeom prst="rect">
             <a:avLst/>
           </a:prstGeom>
         </p:spPr>
         <p:txBody>
-          <a:bodyPr bIns="91425" rIns="91425" lIns="91425" tIns="91425" anchor="ctr" anchorCtr="0">
+          <a:bodyPr lIns="91425" tIns="91425" rIns="91425" bIns="91425" anchor="ctr" anchorCtr="0">
             <a:noAutofit/>
           </a:bodyPr>
           <a:lstStyle>
@@ -1629,6 +1822,7 @@
               <a:rPr lang="en-GB"/>
               <a:t>‹#›</a:t>
             </a:fld>
+            <a:endParaRPr lang="en-GB"/>
           </a:p>
         </p:txBody>
       </p:sp>
@@ -1641,41 +1835,43 @@
 </file>
 
 <file path=ppt/slideLayouts/slideLayout4.xml><?xml version="1.0" encoding="utf-8"?>
-<p:sldLayout xmlns:a="http://schemas.openxmlformats.org/drawingml/2006/main" xmlns:r="http://schemas.openxmlformats.org/officeDocument/2006/relationships" xmlns:mc="http://schemas.openxmlformats.org/markup-compatibility/2006" xmlns:mv="urn:schemas-microsoft-com:mac:vml" xmlns:p="http://schemas.openxmlformats.org/presentationml/2006/main" xmlns:c="http://schemas.openxmlformats.org/drawingml/2006/chart" xmlns:dgm="http://schemas.openxmlformats.org/drawingml/2006/diagram" xmlns:o="urn:schemas-microsoft-com:office:office" xmlns:v="urn:schemas-microsoft-com:vml" xmlns:pvml="urn:schemas-microsoft-com:office:powerpoint" xmlns:com="http://schemas.openxmlformats.org/drawingml/2006/compatibility" xmlns:p14="http://schemas.microsoft.com/office/powerpoint/2010/main" type="titleOnly">
+<p:sldLayout xmlns:a="http://schemas.openxmlformats.org/drawingml/2006/main" xmlns:r="http://schemas.openxmlformats.org/officeDocument/2006/relationships" xmlns:p="http://schemas.openxmlformats.org/presentationml/2006/main" type="titleOnly">
   <p:cSld name="Title Only">
     <p:spTree>
       <p:nvGrpSpPr>
-        <p:cNvPr id="21" name="Shape 21"/>
+        <p:cNvPr id="1" name="Shape 21"/>
         <p:cNvGrpSpPr/>
         <p:nvPr/>
       </p:nvGrpSpPr>
       <p:grpSpPr>
         <a:xfrm>
-          <a:off y="0" x="0"/>
-          <a:ext cy="0" cx="0"/>
-          <a:chOff y="0" x="0"/>
-          <a:chExt cy="0" cx="0"/>
+          <a:off x="0" y="0"/>
+          <a:ext cx="0" cy="0"/>
+          <a:chOff x="0" y="0"/>
+          <a:chExt cx="0" cy="0"/>
         </a:xfrm>
       </p:grpSpPr>
       <p:sp>
         <p:nvSpPr>
           <p:cNvPr id="22" name="Shape 22"/>
-          <p:cNvSpPr txBox="1"/>
+          <p:cNvSpPr txBox="1">
+            <a:spLocks noGrp="1"/>
+          </p:cNvSpPr>
           <p:nvPr>
             <p:ph type="title"/>
           </p:nvPr>
         </p:nvSpPr>
         <p:spPr>
           <a:xfrm>
-            <a:off y="205978" x="457200"/>
-            <a:ext cy="857400" cx="8229600"/>
+            <a:off x="457200" y="205978"/>
+            <a:ext cx="8229600" cy="857400"/>
           </a:xfrm>
           <a:prstGeom prst="rect">
             <a:avLst/>
           </a:prstGeom>
         </p:spPr>
         <p:txBody>
-          <a:bodyPr bIns="91425" rIns="91425" lIns="91425" tIns="91425" anchor="b" anchorCtr="0"/>
+          <a:bodyPr lIns="91425" tIns="91425" rIns="91425" bIns="91425" anchor="b" anchorCtr="0"/>
           <a:lstStyle>
             <a:lvl1pPr>
               <a:spcBef>
@@ -1732,28 +1928,32 @@
               <a:defRPr/>
             </a:lvl9pPr>
           </a:lstStyle>
-          <a:p/>
+          <a:p>
+            <a:endParaRPr/>
+          </a:p>
         </p:txBody>
       </p:sp>
       <p:sp>
         <p:nvSpPr>
           <p:cNvPr id="23" name="Shape 23"/>
-          <p:cNvSpPr txBox="1"/>
+          <p:cNvSpPr txBox="1">
+            <a:spLocks noGrp="1"/>
+          </p:cNvSpPr>
           <p:nvPr>
-            <p:ph idx="12" type="sldNum"/>
+            <p:ph type="sldNum" idx="12"/>
           </p:nvPr>
         </p:nvSpPr>
         <p:spPr>
           <a:xfrm>
-            <a:off y="4749850" x="8556791"/>
-            <a:ext cy="393600" cx="548699"/>
+            <a:off x="8556791" y="4749850"/>
+            <a:ext cx="548699" cy="393600"/>
           </a:xfrm>
           <a:prstGeom prst="rect">
             <a:avLst/>
           </a:prstGeom>
         </p:spPr>
         <p:txBody>
-          <a:bodyPr bIns="91425" rIns="91425" lIns="91425" tIns="91425" anchor="ctr" anchorCtr="0">
+          <a:bodyPr lIns="91425" tIns="91425" rIns="91425" bIns="91425" anchor="ctr" anchorCtr="0">
             <a:noAutofit/>
           </a:bodyPr>
           <a:lstStyle>
@@ -1776,6 +1976,7 @@
               <a:rPr lang="en-GB"/>
               <a:t>‹#›</a:t>
             </a:fld>
+            <a:endParaRPr lang="en-GB"/>
           </a:p>
         </p:txBody>
       </p:sp>
@@ -1788,41 +1989,43 @@
 </file>
 
 <file path=ppt/slideLayouts/slideLayout5.xml><?xml version="1.0" encoding="utf-8"?>
-<p:sldLayout xmlns:a="http://schemas.openxmlformats.org/drawingml/2006/main" xmlns:r="http://schemas.openxmlformats.org/officeDocument/2006/relationships" xmlns:mc="http://schemas.openxmlformats.org/markup-compatibility/2006" xmlns:mv="urn:schemas-microsoft-com:mac:vml" xmlns:p="http://schemas.openxmlformats.org/presentationml/2006/main" xmlns:c="http://schemas.openxmlformats.org/drawingml/2006/chart" xmlns:dgm="http://schemas.openxmlformats.org/drawingml/2006/diagram" xmlns:o="urn:schemas-microsoft-com:office:office" xmlns:v="urn:schemas-microsoft-com:vml" xmlns:pvml="urn:schemas-microsoft-com:office:powerpoint" xmlns:com="http://schemas.openxmlformats.org/drawingml/2006/compatibility" xmlns:p14="http://schemas.microsoft.com/office/powerpoint/2010/main">
+<p:sldLayout xmlns:a="http://schemas.openxmlformats.org/drawingml/2006/main" xmlns:r="http://schemas.openxmlformats.org/officeDocument/2006/relationships" xmlns:p="http://schemas.openxmlformats.org/presentationml/2006/main">
   <p:cSld name="Caption">
     <p:spTree>
       <p:nvGrpSpPr>
-        <p:cNvPr id="24" name="Shape 24"/>
+        <p:cNvPr id="1" name="Shape 24"/>
         <p:cNvGrpSpPr/>
         <p:nvPr/>
       </p:nvGrpSpPr>
       <p:grpSpPr>
         <a:xfrm>
-          <a:off y="0" x="0"/>
-          <a:ext cy="0" cx="0"/>
-          <a:chOff y="0" x="0"/>
-          <a:chExt cy="0" cx="0"/>
+          <a:off x="0" y="0"/>
+          <a:ext cx="0" cy="0"/>
+          <a:chOff x="0" y="0"/>
+          <a:chExt cx="0" cy="0"/>
         </a:xfrm>
       </p:grpSpPr>
       <p:sp>
         <p:nvSpPr>
           <p:cNvPr id="25" name="Shape 25"/>
-          <p:cNvSpPr txBox="1"/>
+          <p:cNvSpPr txBox="1">
+            <a:spLocks noGrp="1"/>
+          </p:cNvSpPr>
           <p:nvPr>
-            <p:ph idx="1" type="body"/>
+            <p:ph type="body" idx="1"/>
           </p:nvPr>
         </p:nvSpPr>
         <p:spPr>
           <a:xfrm>
-            <a:off y="4406309" x="457200"/>
-            <a:ext cy="519599" cx="8229600"/>
+            <a:off x="457200" y="4406309"/>
+            <a:ext cx="8229600" cy="519599"/>
           </a:xfrm>
           <a:prstGeom prst="rect">
             <a:avLst/>
           </a:prstGeom>
         </p:spPr>
         <p:txBody>
-          <a:bodyPr bIns="91425" rIns="91425" lIns="91425" tIns="91425" anchor="t" anchorCtr="0"/>
+          <a:bodyPr lIns="91425" tIns="91425" rIns="91425" bIns="91425" anchor="t" anchorCtr="0"/>
           <a:lstStyle>
             <a:lvl1pPr algn="ctr">
               <a:spcBef>
@@ -1833,28 +2036,32 @@
               <a:defRPr sz="1800"/>
             </a:lvl1pPr>
           </a:lstStyle>
-          <a:p/>
+          <a:p>
+            <a:endParaRPr/>
+          </a:p>
         </p:txBody>
       </p:sp>
       <p:sp>
         <p:nvSpPr>
           <p:cNvPr id="26" name="Shape 26"/>
-          <p:cNvSpPr txBox="1"/>
+          <p:cNvSpPr txBox="1">
+            <a:spLocks noGrp="1"/>
+          </p:cNvSpPr>
           <p:nvPr>
-            <p:ph idx="12" type="sldNum"/>
+            <p:ph type="sldNum" idx="12"/>
           </p:nvPr>
         </p:nvSpPr>
         <p:spPr>
           <a:xfrm>
-            <a:off y="4749850" x="8556791"/>
-            <a:ext cy="393600" cx="548699"/>
+            <a:off x="8556791" y="4749850"/>
+            <a:ext cx="548699" cy="393600"/>
           </a:xfrm>
           <a:prstGeom prst="rect">
             <a:avLst/>
           </a:prstGeom>
         </p:spPr>
         <p:txBody>
-          <a:bodyPr bIns="91425" rIns="91425" lIns="91425" tIns="91425" anchor="ctr" anchorCtr="0">
+          <a:bodyPr lIns="91425" tIns="91425" rIns="91425" bIns="91425" anchor="ctr" anchorCtr="0">
             <a:noAutofit/>
           </a:bodyPr>
           <a:lstStyle>
@@ -1877,6 +2084,7 @@
               <a:rPr lang="en-GB"/>
               <a:t>‹#›</a:t>
             </a:fld>
+            <a:endParaRPr lang="en-GB"/>
           </a:p>
         </p:txBody>
       </p:sp>
@@ -1889,41 +2097,43 @@
 </file>
 
 <file path=ppt/slideLayouts/slideLayout6.xml><?xml version="1.0" encoding="utf-8"?>
-<p:sldLayout xmlns:a="http://schemas.openxmlformats.org/drawingml/2006/main" xmlns:r="http://schemas.openxmlformats.org/officeDocument/2006/relationships" xmlns:mc="http://schemas.openxmlformats.org/markup-compatibility/2006" xmlns:mv="urn:schemas-microsoft-com:mac:vml" xmlns:p="http://schemas.openxmlformats.org/presentationml/2006/main" xmlns:c="http://schemas.openxmlformats.org/drawingml/2006/chart" xmlns:dgm="http://schemas.openxmlformats.org/drawingml/2006/diagram" xmlns:o="urn:schemas-microsoft-com:office:office" xmlns:v="urn:schemas-microsoft-com:vml" xmlns:pvml="urn:schemas-microsoft-com:office:powerpoint" xmlns:com="http://schemas.openxmlformats.org/drawingml/2006/compatibility" xmlns:p14="http://schemas.microsoft.com/office/powerpoint/2010/main" type="blank">
+<p:sldLayout xmlns:a="http://schemas.openxmlformats.org/drawingml/2006/main" xmlns:r="http://schemas.openxmlformats.org/officeDocument/2006/relationships" xmlns:p="http://schemas.openxmlformats.org/presentationml/2006/main" type="blank">
   <p:cSld name="Blank">
     <p:spTree>
       <p:nvGrpSpPr>
-        <p:cNvPr id="27" name="Shape 27"/>
+        <p:cNvPr id="1" name="Shape 27"/>
         <p:cNvGrpSpPr/>
         <p:nvPr/>
       </p:nvGrpSpPr>
       <p:grpSpPr>
         <a:xfrm>
-          <a:off y="0" x="0"/>
-          <a:ext cy="0" cx="0"/>
-          <a:chOff y="0" x="0"/>
-          <a:chExt cy="0" cx="0"/>
+          <a:off x="0" y="0"/>
+          <a:ext cx="0" cy="0"/>
+          <a:chOff x="0" y="0"/>
+          <a:chExt cx="0" cy="0"/>
         </a:xfrm>
       </p:grpSpPr>
       <p:sp>
         <p:nvSpPr>
           <p:cNvPr id="28" name="Shape 28"/>
-          <p:cNvSpPr txBox="1"/>
+          <p:cNvSpPr txBox="1">
+            <a:spLocks noGrp="1"/>
+          </p:cNvSpPr>
           <p:nvPr>
-            <p:ph idx="12" type="sldNum"/>
+            <p:ph type="sldNum" idx="12"/>
           </p:nvPr>
         </p:nvSpPr>
         <p:spPr>
           <a:xfrm>
-            <a:off y="4749850" x="8556791"/>
-            <a:ext cy="393600" cx="548699"/>
+            <a:off x="8556791" y="4749850"/>
+            <a:ext cx="548699" cy="393600"/>
           </a:xfrm>
           <a:prstGeom prst="rect">
             <a:avLst/>
           </a:prstGeom>
         </p:spPr>
         <p:txBody>
-          <a:bodyPr bIns="91425" rIns="91425" lIns="91425" tIns="91425" anchor="ctr" anchorCtr="0">
+          <a:bodyPr lIns="91425" tIns="91425" rIns="91425" bIns="91425" anchor="ctr" anchorCtr="0">
             <a:noAutofit/>
           </a:bodyPr>
           <a:lstStyle>
@@ -1946,6 +2156,7 @@
               <a:rPr lang="en-GB"/>
               <a:t>‹#›</a:t>
             </a:fld>
+            <a:endParaRPr lang="en-GB"/>
           </a:p>
         </p:txBody>
       </p:sp>
@@ -1958,46 +2169,49 @@
 </file>
 
 <file path=ppt/slideMasters/slideMaster1.xml><?xml version="1.0" encoding="utf-8"?>
-<p:sldMaster xmlns:a="http://schemas.openxmlformats.org/drawingml/2006/main" xmlns:r="http://schemas.openxmlformats.org/officeDocument/2006/relationships" xmlns:mc="http://schemas.openxmlformats.org/markup-compatibility/2006" xmlns:mv="urn:schemas-microsoft-com:mac:vml" xmlns:p="http://schemas.openxmlformats.org/presentationml/2006/main" xmlns:c="http://schemas.openxmlformats.org/drawingml/2006/chart" xmlns:dgm="http://schemas.openxmlformats.org/drawingml/2006/diagram" xmlns:o="urn:schemas-microsoft-com:office:office" xmlns:v="urn:schemas-microsoft-com:vml" xmlns:pvml="urn:schemas-microsoft-com:office:powerpoint" xmlns:com="http://schemas.openxmlformats.org/drawingml/2006/compatibility" xmlns:p14="http://schemas.microsoft.com/office/powerpoint/2010/main">
+<p:sldMaster xmlns:a="http://schemas.openxmlformats.org/drawingml/2006/main" xmlns:r="http://schemas.openxmlformats.org/officeDocument/2006/relationships" xmlns:p="http://schemas.openxmlformats.org/presentationml/2006/main">
   <p:cSld>
     <p:bg>
       <p:bgPr>
         <a:blipFill>
-          <a:blip r:embed="rId1">
+          <a:blip r:embed="rId8">
             <a:alphaModFix/>
           </a:blip>
           <a:stretch>
             <a:fillRect/>
           </a:stretch>
         </a:blipFill>
+        <a:effectLst/>
       </p:bgPr>
     </p:bg>
     <p:spTree>
       <p:nvGrpSpPr>
-        <p:cNvPr id="4" name="Shape 4"/>
+        <p:cNvPr id="1" name="Shape 4"/>
         <p:cNvGrpSpPr/>
         <p:nvPr/>
       </p:nvGrpSpPr>
       <p:grpSpPr>
         <a:xfrm>
-          <a:off y="0" x="0"/>
-          <a:ext cy="0" cx="0"/>
-          <a:chOff y="0" x="0"/>
-          <a:chExt cy="0" cx="0"/>
+          <a:off x="0" y="0"/>
+          <a:ext cx="0" cy="0"/>
+          <a:chOff x="0" y="0"/>
+          <a:chExt cx="0" cy="0"/>
         </a:xfrm>
       </p:grpSpPr>
       <p:sp>
         <p:nvSpPr>
           <p:cNvPr id="5" name="Shape 5"/>
-          <p:cNvSpPr txBox="1"/>
+          <p:cNvSpPr txBox="1">
+            <a:spLocks noGrp="1"/>
+          </p:cNvSpPr>
           <p:nvPr>
             <p:ph type="title"/>
           </p:nvPr>
         </p:nvSpPr>
         <p:spPr>
           <a:xfrm>
-            <a:off y="205978" x="457200"/>
-            <a:ext cy="857400" cx="8229600"/>
+            <a:off x="457200" y="205978"/>
+            <a:ext cx="8229600" cy="857400"/>
           </a:xfrm>
           <a:prstGeom prst="rect">
             <a:avLst/>
@@ -2008,7 +2222,7 @@
           </a:ln>
         </p:spPr>
         <p:txBody>
-          <a:bodyPr bIns="91425" rIns="91425" lIns="91425" tIns="91425" anchor="b" anchorCtr="0"/>
+          <a:bodyPr lIns="91425" tIns="91425" rIns="91425" bIns="91425" anchor="b" anchorCtr="0"/>
           <a:lstStyle>
             <a:lvl1pPr>
               <a:spcBef>
@@ -2019,7 +2233,7 @@
               </a:buClr>
               <a:buSzPct val="100000"/>
               <a:buNone/>
-              <a:defRPr b="1" sz="3600">
+              <a:defRPr sz="3600" b="1">
                 <a:solidFill>
                   <a:schemeClr val="lt1"/>
                 </a:solidFill>
@@ -2034,7 +2248,7 @@
               </a:buClr>
               <a:buSzPct val="100000"/>
               <a:buNone/>
-              <a:defRPr b="1" sz="3600">
+              <a:defRPr sz="3600" b="1">
                 <a:solidFill>
                   <a:schemeClr val="lt1"/>
                 </a:solidFill>
@@ -2049,7 +2263,7 @@
               </a:buClr>
               <a:buSzPct val="100000"/>
               <a:buNone/>
-              <a:defRPr b="1" sz="3600">
+              <a:defRPr sz="3600" b="1">
                 <a:solidFill>
                   <a:schemeClr val="lt1"/>
                 </a:solidFill>
@@ -2064,7 +2278,7 @@
               </a:buClr>
               <a:buSzPct val="100000"/>
               <a:buNone/>
-              <a:defRPr b="1" sz="3600">
+              <a:defRPr sz="3600" b="1">
                 <a:solidFill>
                   <a:schemeClr val="lt1"/>
                 </a:solidFill>
@@ -2079,7 +2293,7 @@
               </a:buClr>
               <a:buSzPct val="100000"/>
               <a:buNone/>
-              <a:defRPr b="1" sz="3600">
+              <a:defRPr sz="3600" b="1">
                 <a:solidFill>
                   <a:schemeClr val="lt1"/>
                 </a:solidFill>
@@ -2094,7 +2308,7 @@
               </a:buClr>
               <a:buSzPct val="100000"/>
               <a:buNone/>
-              <a:defRPr b="1" sz="3600">
+              <a:defRPr sz="3600" b="1">
                 <a:solidFill>
                   <a:schemeClr val="lt1"/>
                 </a:solidFill>
@@ -2109,7 +2323,7 @@
               </a:buClr>
               <a:buSzPct val="100000"/>
               <a:buNone/>
-              <a:defRPr b="1" sz="3600">
+              <a:defRPr sz="3600" b="1">
                 <a:solidFill>
                   <a:schemeClr val="lt1"/>
                 </a:solidFill>
@@ -2124,7 +2338,7 @@
               </a:buClr>
               <a:buSzPct val="100000"/>
               <a:buNone/>
-              <a:defRPr b="1" sz="3600">
+              <a:defRPr sz="3600" b="1">
                 <a:solidFill>
                   <a:schemeClr val="lt1"/>
                 </a:solidFill>
@@ -2139,28 +2353,32 @@
               </a:buClr>
               <a:buSzPct val="100000"/>
               <a:buNone/>
-              <a:defRPr b="1" sz="3600">
+              <a:defRPr sz="3600" b="1">
                 <a:solidFill>
                   <a:schemeClr val="lt1"/>
                 </a:solidFill>
               </a:defRPr>
             </a:lvl9pPr>
           </a:lstStyle>
-          <a:p/>
+          <a:p>
+            <a:endParaRPr/>
+          </a:p>
         </p:txBody>
       </p:sp>
       <p:sp>
         <p:nvSpPr>
           <p:cNvPr id="6" name="Shape 6"/>
-          <p:cNvSpPr txBox="1"/>
+          <p:cNvSpPr txBox="1">
+            <a:spLocks noGrp="1"/>
+          </p:cNvSpPr>
           <p:nvPr>
-            <p:ph idx="1" type="body"/>
+            <p:ph type="body" idx="1"/>
           </p:nvPr>
         </p:nvSpPr>
         <p:spPr>
           <a:xfrm>
-            <a:off y="1200150" x="457200"/>
-            <a:ext cy="3725699" cx="8229600"/>
+            <a:off x="457200" y="1200150"/>
+            <a:ext cx="8229600" cy="3725699"/>
           </a:xfrm>
           <a:prstGeom prst="rect">
             <a:avLst/>
@@ -2171,7 +2389,7 @@
           </a:ln>
         </p:spPr>
         <p:txBody>
-          <a:bodyPr bIns="91425" rIns="91425" lIns="91425" tIns="91425" anchor="t" anchorCtr="0"/>
+          <a:bodyPr lIns="91425" tIns="91425" rIns="91425" bIns="91425" anchor="t" anchorCtr="0"/>
           <a:lstStyle>
             <a:lvl1pPr>
               <a:spcBef>
@@ -2300,21 +2518,25 @@
               </a:defRPr>
             </a:lvl9pPr>
           </a:lstStyle>
-          <a:p/>
+          <a:p>
+            <a:endParaRPr/>
+          </a:p>
         </p:txBody>
       </p:sp>
       <p:sp>
         <p:nvSpPr>
           <p:cNvPr id="7" name="Shape 7"/>
-          <p:cNvSpPr txBox="1"/>
+          <p:cNvSpPr txBox="1">
+            <a:spLocks noGrp="1"/>
+          </p:cNvSpPr>
           <p:nvPr>
-            <p:ph idx="12" type="sldNum"/>
+            <p:ph type="sldNum" idx="12"/>
           </p:nvPr>
         </p:nvSpPr>
         <p:spPr>
           <a:xfrm>
-            <a:off y="4749850" x="8556791"/>
-            <a:ext cy="393600" cx="548699"/>
+            <a:off x="8556791" y="4749850"/>
+            <a:ext cx="548699" cy="393600"/>
           </a:xfrm>
           <a:prstGeom prst="rect">
             <a:avLst/>
@@ -2325,7 +2547,7 @@
           </a:ln>
         </p:spPr>
         <p:txBody>
-          <a:bodyPr bIns="91425" rIns="91425" lIns="91425" tIns="91425" anchor="ctr" anchorCtr="0">
+          <a:bodyPr lIns="91425" tIns="91425" rIns="91425" bIns="91425" anchor="ctr" anchorCtr="0">
             <a:noAutofit/>
           </a:bodyPr>
           <a:lstStyle>
@@ -2352,24 +2574,25 @@
               <a:rPr lang="en-GB"/>
               <a:t>‹#›</a:t>
             </a:fld>
+            <a:endParaRPr lang="en-GB"/>
           </a:p>
         </p:txBody>
       </p:sp>
     </p:spTree>
   </p:cSld>
-  <p:clrMap accent2="accent2" accent3="accent3" accent4="accent4" accent5="accent5" accent6="accent6" hlink="hlink" tx2="lt2" tx1="dk1" bg2="dk2" bg1="lt1" folHlink="folHlink" accent1="accent1"/>
+  <p:clrMap bg1="lt1" tx1="dk1" bg2="dk2" tx2="lt2" accent1="accent1" accent2="accent2" accent3="accent3" accent4="accent4" accent5="accent5" accent6="accent6" hlink="hlink" folHlink="folHlink"/>
   <p:sldLayoutIdLst>
-    <p:sldLayoutId id="2147483648" r:id="rId2"/>
-    <p:sldLayoutId id="2147483649" r:id="rId3"/>
-    <p:sldLayoutId id="2147483650" r:id="rId4"/>
-    <p:sldLayoutId id="2147483651" r:id="rId5"/>
-    <p:sldLayoutId id="2147483652" r:id="rId6"/>
-    <p:sldLayoutId id="2147483653" r:id="rId7"/>
+    <p:sldLayoutId id="2147483648" r:id="rId1"/>
+    <p:sldLayoutId id="2147483649" r:id="rId2"/>
+    <p:sldLayoutId id="2147483650" r:id="rId3"/>
+    <p:sldLayoutId id="2147483651" r:id="rId4"/>
+    <p:sldLayoutId id="2147483652" r:id="rId5"/>
+    <p:sldLayoutId id="2147483653" r:id="rId6"/>
   </p:sldLayoutIdLst>
-  <p:hf dt="0" ftr="0" sldNum="0" hdr="0"/>
+  <p:hf sldNum="0" hdr="0" ftr="0" dt="0"/>
   <p:txStyles>
     <p:titleStyle>
-      <a:defPPr algn="l" rtl="0" marR="0">
+      <a:defPPr marR="0" algn="l" rtl="0">
         <a:lnSpc>
           <a:spcPct val="100000"/>
         </a:lnSpc>
@@ -2380,7 +2603,7 @@
           <a:spcPts val="0"/>
         </a:spcAft>
       </a:defPPr>
-      <a:lvl1pPr algn="l" rtl="0" marR="0">
+      <a:lvl1pPr marR="0" algn="l" rtl="0">
         <a:lnSpc>
           <a:spcPct val="100000"/>
         </a:lnSpc>
@@ -2391,7 +2614,7 @@
           <a:spcPts val="0"/>
         </a:spcAft>
         <a:buNone/>
-        <a:defRPr strike="noStrike" u="none" b="0" cap="none" baseline="0" sz="1400" i="0">
+        <a:defRPr sz="1400" b="0" i="0" u="none" strike="noStrike" cap="none" baseline="0">
           <a:solidFill>
             <a:srgbClr val="000000"/>
           </a:solidFill>
@@ -2402,7 +2625,7 @@
           <a:rtl val="0"/>
         </a:defRPr>
       </a:lvl1pPr>
-      <a:lvl2pPr algn="l" rtl="0" marR="0">
+      <a:lvl2pPr marR="0" algn="l" rtl="0">
         <a:lnSpc>
           <a:spcPct val="100000"/>
         </a:lnSpc>
@@ -2413,7 +2636,7 @@
           <a:spcPts val="0"/>
         </a:spcAft>
         <a:buNone/>
-        <a:defRPr strike="noStrike" u="none" b="0" cap="none" baseline="0" sz="1400" i="0">
+        <a:defRPr sz="1400" b="0" i="0" u="none" strike="noStrike" cap="none" baseline="0">
           <a:solidFill>
             <a:srgbClr val="000000"/>
           </a:solidFill>
@@ -2426,7 +2649,7 @@
       </a:lvl2pPr>
     </p:titleStyle>
     <p:bodyStyle>
-      <a:defPPr algn="l" rtl="0" marR="0">
+      <a:defPPr marR="0" algn="l" rtl="0">
         <a:lnSpc>
           <a:spcPct val="100000"/>
         </a:lnSpc>
@@ -2437,7 +2660,7 @@
           <a:spcPts val="0"/>
         </a:spcAft>
       </a:defPPr>
-      <a:lvl1pPr algn="l" rtl="0" marR="0">
+      <a:lvl1pPr marR="0" algn="l" rtl="0">
         <a:lnSpc>
           <a:spcPct val="100000"/>
         </a:lnSpc>
@@ -2448,7 +2671,7 @@
           <a:spcPts val="0"/>
         </a:spcAft>
         <a:buNone/>
-        <a:defRPr strike="noStrike" u="none" b="0" cap="none" baseline="0" sz="1400" i="0">
+        <a:defRPr sz="1400" b="0" i="0" u="none" strike="noStrike" cap="none" baseline="0">
           <a:solidFill>
             <a:srgbClr val="000000"/>
           </a:solidFill>
@@ -2459,7 +2682,7 @@
           <a:rtl val="0"/>
         </a:defRPr>
       </a:lvl1pPr>
-      <a:lvl2pPr algn="l" rtl="0" marR="0">
+      <a:lvl2pPr marR="0" algn="l" rtl="0">
         <a:lnSpc>
           <a:spcPct val="100000"/>
         </a:lnSpc>
@@ -2470,7 +2693,7 @@
           <a:spcPts val="0"/>
         </a:spcAft>
         <a:buNone/>
-        <a:defRPr strike="noStrike" u="none" b="0" cap="none" baseline="0" sz="1400" i="0">
+        <a:defRPr sz="1400" b="0" i="0" u="none" strike="noStrike" cap="none" baseline="0">
           <a:solidFill>
             <a:srgbClr val="000000"/>
           </a:solidFill>
@@ -2481,7 +2704,7 @@
           <a:rtl val="0"/>
         </a:defRPr>
       </a:lvl2pPr>
-      <a:lvl3pPr algn="l" rtl="0" marR="0">
+      <a:lvl3pPr marR="0" algn="l" rtl="0">
         <a:lnSpc>
           <a:spcPct val="100000"/>
         </a:lnSpc>
@@ -2492,7 +2715,7 @@
           <a:spcPts val="0"/>
         </a:spcAft>
         <a:buNone/>
-        <a:defRPr strike="noStrike" u="none" b="0" cap="none" baseline="0" sz="1400" i="0">
+        <a:defRPr sz="1400" b="0" i="0" u="none" strike="noStrike" cap="none" baseline="0">
           <a:solidFill>
             <a:srgbClr val="000000"/>
           </a:solidFill>
@@ -2503,7 +2726,7 @@
           <a:rtl val="0"/>
         </a:defRPr>
       </a:lvl3pPr>
-      <a:lvl4pPr algn="l" rtl="0" marR="0">
+      <a:lvl4pPr marR="0" algn="l" rtl="0">
         <a:lnSpc>
           <a:spcPct val="100000"/>
         </a:lnSpc>
@@ -2514,7 +2737,7 @@
           <a:spcPts val="0"/>
         </a:spcAft>
         <a:buNone/>
-        <a:defRPr strike="noStrike" u="none" b="0" cap="none" baseline="0" sz="1400" i="0">
+        <a:defRPr sz="1400" b="0" i="0" u="none" strike="noStrike" cap="none" baseline="0">
           <a:solidFill>
             <a:srgbClr val="000000"/>
           </a:solidFill>
@@ -2525,7 +2748,7 @@
           <a:rtl val="0"/>
         </a:defRPr>
       </a:lvl4pPr>
-      <a:lvl5pPr algn="l" rtl="0" marR="0">
+      <a:lvl5pPr marR="0" algn="l" rtl="0">
         <a:lnSpc>
           <a:spcPct val="100000"/>
         </a:lnSpc>
@@ -2536,7 +2759,7 @@
           <a:spcPts val="0"/>
         </a:spcAft>
         <a:buNone/>
-        <a:defRPr strike="noStrike" u="none" b="0" cap="none" baseline="0" sz="1400" i="0">
+        <a:defRPr sz="1400" b="0" i="0" u="none" strike="noStrike" cap="none" baseline="0">
           <a:solidFill>
             <a:srgbClr val="000000"/>
           </a:solidFill>
@@ -2547,7 +2770,7 @@
           <a:rtl val="0"/>
         </a:defRPr>
       </a:lvl5pPr>
-      <a:lvl6pPr algn="l" rtl="0" marR="0">
+      <a:lvl6pPr marR="0" algn="l" rtl="0">
         <a:lnSpc>
           <a:spcPct val="100000"/>
         </a:lnSpc>
@@ -2558,7 +2781,7 @@
           <a:spcPts val="0"/>
         </a:spcAft>
         <a:buNone/>
-        <a:defRPr strike="noStrike" u="none" b="0" cap="none" baseline="0" sz="1400" i="0">
+        <a:defRPr sz="1400" b="0" i="0" u="none" strike="noStrike" cap="none" baseline="0">
           <a:solidFill>
             <a:srgbClr val="000000"/>
           </a:solidFill>
@@ -2569,7 +2792,7 @@
           <a:rtl val="0"/>
         </a:defRPr>
       </a:lvl6pPr>
-      <a:lvl7pPr algn="l" rtl="0" marR="0">
+      <a:lvl7pPr marR="0" algn="l" rtl="0">
         <a:lnSpc>
           <a:spcPct val="100000"/>
         </a:lnSpc>
@@ -2580,7 +2803,7 @@
           <a:spcPts val="0"/>
         </a:spcAft>
         <a:buNone/>
-        <a:defRPr strike="noStrike" u="none" b="0" cap="none" baseline="0" sz="1400" i="0">
+        <a:defRPr sz="1400" b="0" i="0" u="none" strike="noStrike" cap="none" baseline="0">
           <a:solidFill>
             <a:srgbClr val="000000"/>
           </a:solidFill>
@@ -2591,7 +2814,7 @@
           <a:rtl val="0"/>
         </a:defRPr>
       </a:lvl7pPr>
-      <a:lvl8pPr algn="l" rtl="0" marR="0">
+      <a:lvl8pPr marR="0" algn="l" rtl="0">
         <a:lnSpc>
           <a:spcPct val="100000"/>
         </a:lnSpc>
@@ -2602,7 +2825,7 @@
           <a:spcPts val="0"/>
         </a:spcAft>
         <a:buNone/>
-        <a:defRPr strike="noStrike" u="none" b="0" cap="none" baseline="0" sz="1400" i="0">
+        <a:defRPr sz="1400" b="0" i="0" u="none" strike="noStrike" cap="none" baseline="0">
           <a:solidFill>
             <a:srgbClr val="000000"/>
           </a:solidFill>
@@ -2613,7 +2836,7 @@
           <a:rtl val="0"/>
         </a:defRPr>
       </a:lvl8pPr>
-      <a:lvl9pPr algn="l" rtl="0" marR="0">
+      <a:lvl9pPr marR="0" algn="l" rtl="0">
         <a:lnSpc>
           <a:spcPct val="100000"/>
         </a:lnSpc>
@@ -2624,7 +2847,7 @@
           <a:spcPts val="0"/>
         </a:spcAft>
         <a:buNone/>
-        <a:defRPr strike="noStrike" u="none" b="0" cap="none" baseline="0" sz="1400" i="0">
+        <a:defRPr sz="1400" b="0" i="0" u="none" strike="noStrike" cap="none" baseline="0">
           <a:solidFill>
             <a:srgbClr val="000000"/>
           </a:solidFill>
@@ -2637,7 +2860,7 @@
       </a:lvl9pPr>
     </p:bodyStyle>
     <p:otherStyle>
-      <a:defPPr algn="l" rtl="0" marR="0">
+      <a:defPPr marR="0" algn="l" rtl="0">
         <a:lnSpc>
           <a:spcPct val="100000"/>
         </a:lnSpc>
@@ -2648,7 +2871,7 @@
           <a:spcPts val="0"/>
         </a:spcAft>
       </a:defPPr>
-      <a:lvl1pPr algn="l" rtl="0" marR="0">
+      <a:lvl1pPr marR="0" algn="l" rtl="0">
         <a:lnSpc>
           <a:spcPct val="100000"/>
         </a:lnSpc>
@@ -2659,7 +2882,7 @@
           <a:spcPts val="0"/>
         </a:spcAft>
         <a:buNone/>
-        <a:defRPr strike="noStrike" u="none" b="0" cap="none" baseline="0" sz="1400" i="0">
+        <a:defRPr sz="1400" b="0" i="0" u="none" strike="noStrike" cap="none" baseline="0">
           <a:solidFill>
             <a:srgbClr val="000000"/>
           </a:solidFill>
@@ -2670,7 +2893,7 @@
           <a:rtl val="0"/>
         </a:defRPr>
       </a:lvl1pPr>
-      <a:lvl2pPr algn="l" rtl="0" marR="0">
+      <a:lvl2pPr marR="0" algn="l" rtl="0">
         <a:lnSpc>
           <a:spcPct val="100000"/>
         </a:lnSpc>
@@ -2681,7 +2904,7 @@
           <a:spcPts val="0"/>
         </a:spcAft>
         <a:buNone/>
-        <a:defRPr strike="noStrike" u="none" b="0" cap="none" baseline="0" sz="1400" i="0">
+        <a:defRPr sz="1400" b="0" i="0" u="none" strike="noStrike" cap="none" baseline="0">
           <a:solidFill>
             <a:srgbClr val="000000"/>
           </a:solidFill>
@@ -2692,7 +2915,7 @@
           <a:rtl val="0"/>
         </a:defRPr>
       </a:lvl2pPr>
-      <a:lvl3pPr algn="l" rtl="0" marR="0">
+      <a:lvl3pPr marR="0" algn="l" rtl="0">
         <a:lnSpc>
           <a:spcPct val="100000"/>
         </a:lnSpc>
@@ -2703,7 +2926,7 @@
           <a:spcPts val="0"/>
         </a:spcAft>
         <a:buNone/>
-        <a:defRPr strike="noStrike" u="none" b="0" cap="none" baseline="0" sz="1400" i="0">
+        <a:defRPr sz="1400" b="0" i="0" u="none" strike="noStrike" cap="none" baseline="0">
           <a:solidFill>
             <a:srgbClr val="000000"/>
           </a:solidFill>
@@ -2714,7 +2937,7 @@
           <a:rtl val="0"/>
         </a:defRPr>
       </a:lvl3pPr>
-      <a:lvl4pPr algn="l" rtl="0" marR="0">
+      <a:lvl4pPr marR="0" algn="l" rtl="0">
         <a:lnSpc>
           <a:spcPct val="100000"/>
         </a:lnSpc>
@@ -2725,7 +2948,7 @@
           <a:spcPts val="0"/>
         </a:spcAft>
         <a:buNone/>
-        <a:defRPr strike="noStrike" u="none" b="0" cap="none" baseline="0" sz="1400" i="0">
+        <a:defRPr sz="1400" b="0" i="0" u="none" strike="noStrike" cap="none" baseline="0">
           <a:solidFill>
             <a:srgbClr val="000000"/>
           </a:solidFill>
@@ -2736,7 +2959,7 @@
           <a:rtl val="0"/>
         </a:defRPr>
       </a:lvl4pPr>
-      <a:lvl5pPr algn="l" rtl="0" marR="0">
+      <a:lvl5pPr marR="0" algn="l" rtl="0">
         <a:lnSpc>
           <a:spcPct val="100000"/>
         </a:lnSpc>
@@ -2747,7 +2970,7 @@
           <a:spcPts val="0"/>
         </a:spcAft>
         <a:buNone/>
-        <a:defRPr strike="noStrike" u="none" b="0" cap="none" baseline="0" sz="1400" i="0">
+        <a:defRPr sz="1400" b="0" i="0" u="none" strike="noStrike" cap="none" baseline="0">
           <a:solidFill>
             <a:srgbClr val="000000"/>
           </a:solidFill>
@@ -2758,7 +2981,7 @@
           <a:rtl val="0"/>
         </a:defRPr>
       </a:lvl5pPr>
-      <a:lvl6pPr algn="l" rtl="0" marR="0">
+      <a:lvl6pPr marR="0" algn="l" rtl="0">
         <a:lnSpc>
           <a:spcPct val="100000"/>
         </a:lnSpc>
@@ -2769,7 +2992,7 @@
           <a:spcPts val="0"/>
         </a:spcAft>
         <a:buNone/>
-        <a:defRPr strike="noStrike" u="none" b="0" cap="none" baseline="0" sz="1400" i="0">
+        <a:defRPr sz="1400" b="0" i="0" u="none" strike="noStrike" cap="none" baseline="0">
           <a:solidFill>
             <a:srgbClr val="000000"/>
           </a:solidFill>
@@ -2780,7 +3003,7 @@
           <a:rtl val="0"/>
         </a:defRPr>
       </a:lvl6pPr>
-      <a:lvl7pPr algn="l" rtl="0" marR="0">
+      <a:lvl7pPr marR="0" algn="l" rtl="0">
         <a:lnSpc>
           <a:spcPct val="100000"/>
         </a:lnSpc>
@@ -2791,7 +3014,7 @@
           <a:spcPts val="0"/>
         </a:spcAft>
         <a:buNone/>
-        <a:defRPr strike="noStrike" u="none" b="0" cap="none" baseline="0" sz="1400" i="0">
+        <a:defRPr sz="1400" b="0" i="0" u="none" strike="noStrike" cap="none" baseline="0">
           <a:solidFill>
             <a:srgbClr val="000000"/>
           </a:solidFill>
@@ -2802,7 +3025,7 @@
           <a:rtl val="0"/>
         </a:defRPr>
       </a:lvl7pPr>
-      <a:lvl8pPr algn="l" rtl="0" marR="0">
+      <a:lvl8pPr marR="0" algn="l" rtl="0">
         <a:lnSpc>
           <a:spcPct val="100000"/>
         </a:lnSpc>
@@ -2813,7 +3036,7 @@
           <a:spcPts val="0"/>
         </a:spcAft>
         <a:buNone/>
-        <a:defRPr strike="noStrike" u="none" b="0" cap="none" baseline="0" sz="1400" i="0">
+        <a:defRPr sz="1400" b="0" i="0" u="none" strike="noStrike" cap="none" baseline="0">
           <a:solidFill>
             <a:srgbClr val="000000"/>
           </a:solidFill>
@@ -2824,7 +3047,7 @@
           <a:rtl val="0"/>
         </a:defRPr>
       </a:lvl8pPr>
-      <a:lvl9pPr algn="l" rtl="0" marR="0">
+      <a:lvl9pPr marR="0" algn="l" rtl="0">
         <a:lnSpc>
           <a:spcPct val="100000"/>
         </a:lnSpc>
@@ -2835,7 +3058,7 @@
           <a:spcPts val="0"/>
         </a:spcAft>
         <a:buNone/>
-        <a:defRPr strike="noStrike" u="none" b="0" cap="none" baseline="0" sz="1400" i="0">
+        <a:defRPr sz="1400" b="0" i="0" u="none" strike="noStrike" cap="none" baseline="0">
           <a:solidFill>
             <a:srgbClr val="000000"/>
           </a:solidFill>
@@ -2852,41 +3075,43 @@
 </file>
 
 <file path=ppt/slides/slide1.xml><?xml version="1.0" encoding="utf-8"?>
-<p:sld xmlns:a="http://schemas.openxmlformats.org/drawingml/2006/main" xmlns:r="http://schemas.openxmlformats.org/officeDocument/2006/relationships" xmlns:mc="http://schemas.openxmlformats.org/markup-compatibility/2006" xmlns:mv="urn:schemas-microsoft-com:mac:vml" xmlns:p="http://schemas.openxmlformats.org/presentationml/2006/main" xmlns:c="http://schemas.openxmlformats.org/drawingml/2006/chart" xmlns:dgm="http://schemas.openxmlformats.org/drawingml/2006/diagram" xmlns:o="urn:schemas-microsoft-com:office:office" xmlns:v="urn:schemas-microsoft-com:vml" xmlns:pvml="urn:schemas-microsoft-com:office:powerpoint" xmlns:com="http://schemas.openxmlformats.org/drawingml/2006/compatibility" xmlns:p14="http://schemas.microsoft.com/office/powerpoint/2010/main">
+<p:sld xmlns:a="http://schemas.openxmlformats.org/drawingml/2006/main" xmlns:r="http://schemas.openxmlformats.org/officeDocument/2006/relationships" xmlns:p="http://schemas.openxmlformats.org/presentationml/2006/main">
   <p:cSld>
     <p:spTree>
       <p:nvGrpSpPr>
-        <p:cNvPr id="29" name="Shape 29"/>
+        <p:cNvPr id="1" name="Shape 29"/>
         <p:cNvGrpSpPr/>
         <p:nvPr/>
       </p:nvGrpSpPr>
       <p:grpSpPr>
         <a:xfrm>
-          <a:off y="0" x="0"/>
-          <a:ext cy="0" cx="0"/>
-          <a:chOff y="0" x="0"/>
-          <a:chExt cy="0" cx="0"/>
+          <a:off x="0" y="0"/>
+          <a:ext cx="0" cy="0"/>
+          <a:chOff x="0" y="0"/>
+          <a:chExt cx="0" cy="0"/>
         </a:xfrm>
       </p:grpSpPr>
       <p:sp>
         <p:nvSpPr>
           <p:cNvPr id="30" name="Shape 30"/>
-          <p:cNvSpPr txBox="1"/>
+          <p:cNvSpPr txBox="1">
+            <a:spLocks noGrp="1"/>
+          </p:cNvSpPr>
           <p:nvPr>
             <p:ph type="ctrTitle"/>
           </p:nvPr>
         </p:nvSpPr>
         <p:spPr>
           <a:xfrm>
-            <a:off y="281550" x="1514850"/>
-            <a:ext cy="1159799" cx="5897100"/>
+            <a:off x="1514850" y="281550"/>
+            <a:ext cx="5897100" cy="1159799"/>
           </a:xfrm>
           <a:prstGeom prst="rect">
             <a:avLst/>
           </a:prstGeom>
         </p:spPr>
         <p:txBody>
-          <a:bodyPr bIns="91425" rIns="91425" lIns="91425" tIns="91425" anchor="b" anchorCtr="0">
+          <a:bodyPr lIns="91425" tIns="91425" rIns="91425" bIns="91425" anchor="b" anchorCtr="0">
             <a:noAutofit/>
           </a:bodyPr>
           <a:lstStyle/>
@@ -2907,22 +3132,24 @@
       <p:sp>
         <p:nvSpPr>
           <p:cNvPr id="31" name="Shape 31"/>
-          <p:cNvSpPr txBox="1"/>
+          <p:cNvSpPr txBox="1">
+            <a:spLocks noGrp="1"/>
+          </p:cNvSpPr>
           <p:nvPr>
-            <p:ph idx="1" type="subTitle"/>
+            <p:ph type="subTitle" idx="1"/>
           </p:nvPr>
         </p:nvSpPr>
         <p:spPr>
           <a:xfrm>
-            <a:off y="2840053" x="685800"/>
-            <a:ext cy="784799" cx="7772400"/>
+            <a:off x="685800" y="2840053"/>
+            <a:ext cx="7772400" cy="784799"/>
           </a:xfrm>
           <a:prstGeom prst="rect">
             <a:avLst/>
           </a:prstGeom>
         </p:spPr>
         <p:txBody>
-          <a:bodyPr bIns="91425" rIns="91425" lIns="91425" tIns="91425" anchor="t" anchorCtr="0">
+          <a:bodyPr lIns="91425" tIns="91425" rIns="91425" bIns="91425" anchor="t" anchorCtr="0">
             <a:noAutofit/>
           </a:bodyPr>
           <a:lstStyle/>
@@ -2933,9 +3160,6 @@
               </a:spcBef>
               <a:buNone/>
             </a:pPr>
-            <a:r>
-              <a:t/>
-            </a:r>
             <a:endParaRPr/>
           </a:p>
         </p:txBody>
@@ -2948,45 +3172,54 @@
   <p:transition spd="slow">
     <p:cut/>
   </p:transition>
+  <p:timing>
+    <p:tnLst>
+      <p:par>
+        <p:cTn id="1" dur="indefinite" restart="never" nodeType="tmRoot"/>
+      </p:par>
+    </p:tnLst>
+  </p:timing>
 </p:sld>
 </file>
 
 <file path=ppt/slides/slide2.xml><?xml version="1.0" encoding="utf-8"?>
-<p:sld xmlns:a="http://schemas.openxmlformats.org/drawingml/2006/main" xmlns:r="http://schemas.openxmlformats.org/officeDocument/2006/relationships" xmlns:mc="http://schemas.openxmlformats.org/markup-compatibility/2006" xmlns:mv="urn:schemas-microsoft-com:mac:vml" xmlns:p="http://schemas.openxmlformats.org/presentationml/2006/main" xmlns:c="http://schemas.openxmlformats.org/drawingml/2006/chart" xmlns:dgm="http://schemas.openxmlformats.org/drawingml/2006/diagram" xmlns:o="urn:schemas-microsoft-com:office:office" xmlns:v="urn:schemas-microsoft-com:vml" xmlns:pvml="urn:schemas-microsoft-com:office:powerpoint" xmlns:com="http://schemas.openxmlformats.org/drawingml/2006/compatibility" xmlns:p14="http://schemas.microsoft.com/office/powerpoint/2010/main">
+<p:sld xmlns:a="http://schemas.openxmlformats.org/drawingml/2006/main" xmlns:r="http://schemas.openxmlformats.org/officeDocument/2006/relationships" xmlns:p="http://schemas.openxmlformats.org/presentationml/2006/main">
   <p:cSld>
     <p:spTree>
       <p:nvGrpSpPr>
-        <p:cNvPr id="35" name="Shape 35"/>
+        <p:cNvPr id="1" name="Shape 35"/>
         <p:cNvGrpSpPr/>
         <p:nvPr/>
       </p:nvGrpSpPr>
       <p:grpSpPr>
         <a:xfrm>
-          <a:off y="0" x="0"/>
-          <a:ext cy="0" cx="0"/>
-          <a:chOff y="0" x="0"/>
-          <a:chExt cy="0" cx="0"/>
+          <a:off x="0" y="0"/>
+          <a:ext cx="0" cy="0"/>
+          <a:chOff x="0" y="0"/>
+          <a:chExt cx="0" cy="0"/>
         </a:xfrm>
       </p:grpSpPr>
       <p:sp>
         <p:nvSpPr>
           <p:cNvPr id="36" name="Shape 36"/>
-          <p:cNvSpPr txBox="1"/>
+          <p:cNvSpPr txBox="1">
+            <a:spLocks noGrp="1"/>
+          </p:cNvSpPr>
           <p:nvPr>
             <p:ph type="title"/>
           </p:nvPr>
         </p:nvSpPr>
         <p:spPr>
           <a:xfrm>
-            <a:off y="205978" x="457200"/>
-            <a:ext cy="857400" cx="8229600"/>
+            <a:off x="457200" y="205978"/>
+            <a:ext cx="8229600" cy="857400"/>
           </a:xfrm>
           <a:prstGeom prst="rect">
             <a:avLst/>
           </a:prstGeom>
         </p:spPr>
         <p:txBody>
-          <a:bodyPr bIns="91425" rIns="91425" lIns="91425" tIns="91425" anchor="b" anchorCtr="0">
+          <a:bodyPr lIns="91425" tIns="91425" rIns="91425" bIns="91425" anchor="b" anchorCtr="0">
             <a:noAutofit/>
           </a:bodyPr>
           <a:lstStyle/>
@@ -3007,22 +3240,24 @@
       <p:sp>
         <p:nvSpPr>
           <p:cNvPr id="37" name="Shape 37"/>
-          <p:cNvSpPr txBox="1"/>
+          <p:cNvSpPr txBox="1">
+            <a:spLocks noGrp="1"/>
+          </p:cNvSpPr>
           <p:nvPr>
-            <p:ph idx="1" type="body"/>
+            <p:ph type="body" idx="1"/>
           </p:nvPr>
         </p:nvSpPr>
         <p:spPr>
           <a:xfrm>
-            <a:off y="1200150" x="457200"/>
-            <a:ext cy="3725699" cx="8229600"/>
+            <a:off x="457200" y="1200150"/>
+            <a:ext cx="8229600" cy="3725699"/>
           </a:xfrm>
           <a:prstGeom prst="rect">
             <a:avLst/>
           </a:prstGeom>
         </p:spPr>
         <p:txBody>
-          <a:bodyPr bIns="91425" rIns="91425" lIns="91425" tIns="91425" anchor="t" anchorCtr="0">
+          <a:bodyPr lIns="91425" tIns="91425" rIns="91425" bIns="91425" anchor="t" anchorCtr="0">
             <a:noAutofit/>
           </a:bodyPr>
           <a:lstStyle/>
@@ -3033,9 +3268,6 @@
               </a:spcBef>
               <a:buNone/>
             </a:pPr>
-            <a:r>
-              <a:t/>
-            </a:r>
             <a:endParaRPr/>
           </a:p>
         </p:txBody>
@@ -3048,45 +3280,54 @@
   <p:transition spd="slow">
     <p:cut/>
   </p:transition>
+  <p:timing>
+    <p:tnLst>
+      <p:par>
+        <p:cTn id="1" dur="indefinite" restart="never" nodeType="tmRoot"/>
+      </p:par>
+    </p:tnLst>
+  </p:timing>
 </p:sld>
 </file>
 
 <file path=ppt/slides/slide3.xml><?xml version="1.0" encoding="utf-8"?>
-<p:sld xmlns:a="http://schemas.openxmlformats.org/drawingml/2006/main" xmlns:r="http://schemas.openxmlformats.org/officeDocument/2006/relationships" xmlns:mc="http://schemas.openxmlformats.org/markup-compatibility/2006" xmlns:mv="urn:schemas-microsoft-com:mac:vml" xmlns:p="http://schemas.openxmlformats.org/presentationml/2006/main" xmlns:c="http://schemas.openxmlformats.org/drawingml/2006/chart" xmlns:dgm="http://schemas.openxmlformats.org/drawingml/2006/diagram" xmlns:o="urn:schemas-microsoft-com:office:office" xmlns:v="urn:schemas-microsoft-com:vml" xmlns:pvml="urn:schemas-microsoft-com:office:powerpoint" xmlns:com="http://schemas.openxmlformats.org/drawingml/2006/compatibility" xmlns:p14="http://schemas.microsoft.com/office/powerpoint/2010/main">
+<p:sld xmlns:a="http://schemas.openxmlformats.org/drawingml/2006/main" xmlns:r="http://schemas.openxmlformats.org/officeDocument/2006/relationships" xmlns:p="http://schemas.openxmlformats.org/presentationml/2006/main">
   <p:cSld>
     <p:spTree>
       <p:nvGrpSpPr>
-        <p:cNvPr id="41" name="Shape 41"/>
+        <p:cNvPr id="1" name="Shape 41"/>
         <p:cNvGrpSpPr/>
         <p:nvPr/>
       </p:nvGrpSpPr>
       <p:grpSpPr>
         <a:xfrm>
-          <a:off y="0" x="0"/>
-          <a:ext cy="0" cx="0"/>
-          <a:chOff y="0" x="0"/>
-          <a:chExt cy="0" cx="0"/>
+          <a:off x="0" y="0"/>
+          <a:ext cx="0" cy="0"/>
+          <a:chOff x="0" y="0"/>
+          <a:chExt cx="0" cy="0"/>
         </a:xfrm>
       </p:grpSpPr>
       <p:sp>
         <p:nvSpPr>
           <p:cNvPr id="42" name="Shape 42"/>
-          <p:cNvSpPr txBox="1"/>
+          <p:cNvSpPr txBox="1">
+            <a:spLocks noGrp="1"/>
+          </p:cNvSpPr>
           <p:nvPr>
             <p:ph type="title"/>
           </p:nvPr>
         </p:nvSpPr>
         <p:spPr>
           <a:xfrm>
-            <a:off y="205978" x="457200"/>
-            <a:ext cy="857400" cx="8229600"/>
+            <a:off x="457200" y="205978"/>
+            <a:ext cx="8229600" cy="857400"/>
           </a:xfrm>
           <a:prstGeom prst="rect">
             <a:avLst/>
           </a:prstGeom>
         </p:spPr>
         <p:txBody>
-          <a:bodyPr bIns="91425" rIns="91425" lIns="91425" tIns="91425" anchor="b" anchorCtr="0">
+          <a:bodyPr lIns="91425" tIns="91425" rIns="91425" bIns="91425" anchor="b" anchorCtr="0">
             <a:noAutofit/>
           </a:bodyPr>
           <a:lstStyle/>
@@ -3107,27 +3348,29 @@
       <p:sp>
         <p:nvSpPr>
           <p:cNvPr id="43" name="Shape 43"/>
-          <p:cNvSpPr txBox="1"/>
+          <p:cNvSpPr txBox="1">
+            <a:spLocks noGrp="1"/>
+          </p:cNvSpPr>
           <p:nvPr>
-            <p:ph idx="1" type="body"/>
+            <p:ph type="body" idx="1"/>
           </p:nvPr>
         </p:nvSpPr>
         <p:spPr>
           <a:xfrm>
-            <a:off y="1200150" x="457200"/>
-            <a:ext cy="3725699" cx="8229600"/>
+            <a:off x="457200" y="1200150"/>
+            <a:ext cx="8229600" cy="3725699"/>
           </a:xfrm>
           <a:prstGeom prst="rect">
             <a:avLst/>
           </a:prstGeom>
         </p:spPr>
         <p:txBody>
-          <a:bodyPr bIns="91425" rIns="91425" lIns="91425" tIns="91425" anchor="t" anchorCtr="0">
+          <a:bodyPr lIns="91425" tIns="91425" rIns="91425" bIns="91425" anchor="t" anchorCtr="0">
             <a:noAutofit/>
           </a:bodyPr>
           <a:lstStyle/>
           <a:p>
-            <a:pPr rtl="0" lvl="0" indent="-419100" marL="457200">
+            <a:pPr marL="457200" lvl="0" indent="-419100" rtl="0">
               <a:lnSpc>
                 <a:spcPct val="150000"/>
               </a:lnSpc>
@@ -3147,7 +3390,7 @@
             </a:r>
           </a:p>
           <a:p>
-            <a:pPr rtl="0" lvl="0" indent="-419100" marL="457200">
+            <a:pPr marL="457200" lvl="0" indent="-419100" rtl="0">
               <a:lnSpc>
                 <a:spcPct val="150000"/>
               </a:lnSpc>
@@ -3167,7 +3410,7 @@
             </a:r>
           </a:p>
           <a:p>
-            <a:pPr lvl="0" indent="-419100" marL="457200">
+            <a:pPr marL="457200" lvl="0" indent="-419100">
               <a:lnSpc>
                 <a:spcPct val="150000"/>
               </a:lnSpc>
@@ -3196,45 +3439,54 @@
   <p:transition spd="slow">
     <p:cut/>
   </p:transition>
+  <p:timing>
+    <p:tnLst>
+      <p:par>
+        <p:cTn id="1" dur="indefinite" restart="never" nodeType="tmRoot"/>
+      </p:par>
+    </p:tnLst>
+  </p:timing>
 </p:sld>
 </file>
 
 <file path=ppt/slides/slide4.xml><?xml version="1.0" encoding="utf-8"?>
-<p:sld xmlns:a="http://schemas.openxmlformats.org/drawingml/2006/main" xmlns:r="http://schemas.openxmlformats.org/officeDocument/2006/relationships" xmlns:mc="http://schemas.openxmlformats.org/markup-compatibility/2006" xmlns:mv="urn:schemas-microsoft-com:mac:vml" xmlns:p="http://schemas.openxmlformats.org/presentationml/2006/main" xmlns:c="http://schemas.openxmlformats.org/drawingml/2006/chart" xmlns:dgm="http://schemas.openxmlformats.org/drawingml/2006/diagram" xmlns:o="urn:schemas-microsoft-com:office:office" xmlns:v="urn:schemas-microsoft-com:vml" xmlns:pvml="urn:schemas-microsoft-com:office:powerpoint" xmlns:com="http://schemas.openxmlformats.org/drawingml/2006/compatibility" xmlns:p14="http://schemas.microsoft.com/office/powerpoint/2010/main">
+<p:sld xmlns:a="http://schemas.openxmlformats.org/drawingml/2006/main" xmlns:r="http://schemas.openxmlformats.org/officeDocument/2006/relationships" xmlns:p="http://schemas.openxmlformats.org/presentationml/2006/main">
   <p:cSld>
     <p:spTree>
       <p:nvGrpSpPr>
-        <p:cNvPr id="47" name="Shape 47"/>
+        <p:cNvPr id="1" name="Shape 47"/>
         <p:cNvGrpSpPr/>
         <p:nvPr/>
       </p:nvGrpSpPr>
       <p:grpSpPr>
         <a:xfrm>
-          <a:off y="0" x="0"/>
-          <a:ext cy="0" cx="0"/>
-          <a:chOff y="0" x="0"/>
-          <a:chExt cy="0" cx="0"/>
+          <a:off x="0" y="0"/>
+          <a:ext cx="0" cy="0"/>
+          <a:chOff x="0" y="0"/>
+          <a:chExt cx="0" cy="0"/>
         </a:xfrm>
       </p:grpSpPr>
       <p:sp>
         <p:nvSpPr>
           <p:cNvPr id="48" name="Shape 48"/>
-          <p:cNvSpPr txBox="1"/>
+          <p:cNvSpPr txBox="1">
+            <a:spLocks noGrp="1"/>
+          </p:cNvSpPr>
           <p:nvPr>
             <p:ph type="title"/>
           </p:nvPr>
         </p:nvSpPr>
         <p:spPr>
           <a:xfrm>
-            <a:off y="205978" x="457200"/>
-            <a:ext cy="857400" cx="8229600"/>
+            <a:off x="457200" y="205978"/>
+            <a:ext cx="8229600" cy="857400"/>
           </a:xfrm>
           <a:prstGeom prst="rect">
             <a:avLst/>
           </a:prstGeom>
         </p:spPr>
         <p:txBody>
-          <a:bodyPr bIns="91425" rIns="91425" lIns="91425" tIns="91425" anchor="b" anchorCtr="0">
+          <a:bodyPr lIns="91425" tIns="91425" rIns="91425" bIns="91425" anchor="b" anchorCtr="0">
             <a:noAutofit/>
           </a:bodyPr>
           <a:lstStyle/>
@@ -3255,27 +3507,29 @@
       <p:sp>
         <p:nvSpPr>
           <p:cNvPr id="49" name="Shape 49"/>
-          <p:cNvSpPr txBox="1"/>
+          <p:cNvSpPr txBox="1">
+            <a:spLocks noGrp="1"/>
+          </p:cNvSpPr>
           <p:nvPr>
-            <p:ph idx="1" type="body"/>
+            <p:ph type="body" idx="1"/>
           </p:nvPr>
         </p:nvSpPr>
         <p:spPr>
           <a:xfrm>
-            <a:off y="1200150" x="457200"/>
-            <a:ext cy="3725699" cx="8229600"/>
+            <a:off x="457200" y="1200150"/>
+            <a:ext cx="8229600" cy="3725699"/>
           </a:xfrm>
           <a:prstGeom prst="rect">
             <a:avLst/>
           </a:prstGeom>
         </p:spPr>
         <p:txBody>
-          <a:bodyPr bIns="91425" rIns="91425" lIns="91425" tIns="91425" anchor="t" anchorCtr="0">
+          <a:bodyPr lIns="91425" tIns="91425" rIns="91425" bIns="91425" anchor="t" anchorCtr="0">
             <a:noAutofit/>
           </a:bodyPr>
           <a:lstStyle/>
           <a:p>
-            <a:pPr rtl="0" lvl="0" indent="-355600" marL="457200">
+            <a:pPr marL="457200" lvl="0" indent="-355600" rtl="0">
               <a:lnSpc>
                 <a:spcPct val="115000"/>
               </a:lnSpc>
@@ -3290,15 +3544,23 @@
               <a:buChar char="❖"/>
             </a:pPr>
             <a:r>
-              <a:rPr b="1" sz="2000" lang="en-GB">
+              <a:rPr lang="en-GB" sz="2000" b="1" dirty="0">
                 <a:solidFill>
                   <a:srgbClr val="FFFFFF"/>
                 </a:solidFill>
               </a:rPr>
-              <a:t>Anton Aleksandrov</a:t>
+              <a:t>Anton </a:t>
             </a:r>
             <a:r>
-              <a:rPr sz="2000" lang="en-GB">
+              <a:rPr lang="en-GB" sz="2000" b="1" dirty="0" err="1">
+                <a:solidFill>
+                  <a:srgbClr val="FFFFFF"/>
+                </a:solidFill>
+              </a:rPr>
+              <a:t>Aleksandrov</a:t>
+            </a:r>
+            <a:r>
+              <a:rPr lang="en-GB" sz="2000" dirty="0">
                 <a:solidFill>
                   <a:srgbClr val="FFFFFF"/>
                 </a:solidFill>
@@ -3306,7 +3568,7 @@
               <a:t> - Created (the overall structure of) the game, very active throughout the project.   // </a:t>
             </a:r>
             <a:r>
-              <a:rPr sz="2000" lang="en-GB" i="1">
+              <a:rPr lang="en-GB" sz="2000" i="1" dirty="0">
                 <a:solidFill>
                   <a:srgbClr val="FFFFFF"/>
                 </a:solidFill>
@@ -3315,7 +3577,7 @@
             </a:r>
           </a:p>
           <a:p>
-            <a:pPr rtl="0" lvl="0" indent="-355600" marL="457200">
+            <a:pPr marL="457200" lvl="0" indent="-355600" rtl="0">
               <a:lnSpc>
                 <a:spcPct val="115000"/>
               </a:lnSpc>
@@ -3330,15 +3592,39 @@
               <a:buChar char="❖"/>
             </a:pPr>
             <a:r>
-              <a:rPr b="1" sz="2000" lang="en-GB">
+              <a:rPr lang="en-GB" sz="2000" b="1" dirty="0" err="1">
                 <a:solidFill>
                   <a:srgbClr val="FFFFFF"/>
                 </a:solidFill>
               </a:rPr>
-              <a:t>Veronika Chalakova </a:t>
+              <a:t>Veronika</a:t>
             </a:r>
             <a:r>
-              <a:rPr sz="2000" lang="en-GB">
+              <a:rPr lang="en-GB" sz="2000" b="1" dirty="0">
+                <a:solidFill>
+                  <a:srgbClr val="FFFFFF"/>
+                </a:solidFill>
+              </a:rPr>
+              <a:t> </a:t>
+            </a:r>
+            <a:r>
+              <a:rPr lang="en-GB" sz="2000" b="1" dirty="0" err="1">
+                <a:solidFill>
+                  <a:srgbClr val="FFFFFF"/>
+                </a:solidFill>
+              </a:rPr>
+              <a:t>Chalakova</a:t>
+            </a:r>
+            <a:r>
+              <a:rPr lang="en-GB" sz="2000" b="1" dirty="0">
+                <a:solidFill>
+                  <a:srgbClr val="FFFFFF"/>
+                </a:solidFill>
+              </a:rPr>
+              <a:t> </a:t>
+            </a:r>
+            <a:r>
+              <a:rPr lang="en-GB" sz="2000" dirty="0">
                 <a:solidFill>
                   <a:srgbClr val="FFFFFF"/>
                 </a:solidFill>
@@ -3346,7 +3632,7 @@
               <a:t>-  //</a:t>
             </a:r>
             <a:r>
-              <a:rPr sz="2000" lang="en-GB" i="1">
+              <a:rPr lang="en-GB" sz="2000" i="1" dirty="0">
                 <a:solidFill>
                   <a:srgbClr val="FFFFFF"/>
                 </a:solidFill>
@@ -3355,7 +3641,7 @@
             </a:r>
           </a:p>
           <a:p>
-            <a:pPr rtl="0" lvl="0" indent="-355600" marL="457200">
+            <a:pPr marL="457200" lvl="0" indent="-355600" rtl="0">
               <a:lnSpc>
                 <a:spcPct val="115000"/>
               </a:lnSpc>
@@ -3370,32 +3656,48 @@
               <a:buChar char="❖"/>
             </a:pPr>
             <a:r>
-              <a:rPr b="1" sz="2000" lang="en-GB">
+              <a:rPr lang="en-GB" sz="2000" b="1" dirty="0" err="1">
                 <a:solidFill>
                   <a:srgbClr val="FFFFFF"/>
                 </a:solidFill>
               </a:rPr>
-              <a:t>Desislava Petkova</a:t>
+              <a:t>Desislava</a:t>
             </a:r>
             <a:r>
-              <a:rPr sz="2000" lang="en-GB">
+              <a:rPr lang="en-GB" sz="2000" b="1" dirty="0">
                 <a:solidFill>
                   <a:srgbClr val="FFFFFF"/>
                 </a:solidFill>
               </a:rPr>
-              <a:t> - //</a:t>
+              <a:t> </a:t>
             </a:r>
             <a:r>
-              <a:rPr sz="2000" lang="en-GB" i="1">
+              <a:rPr lang="en-GB" sz="2000" b="1" dirty="0" err="1">
                 <a:solidFill>
                   <a:srgbClr val="FFFFFF"/>
                 </a:solidFill>
               </a:rPr>
-              <a:t>  fill out</a:t>
+              <a:t>Petkova</a:t>
+            </a:r>
+            <a:r>
+              <a:rPr lang="en-GB" sz="2000" dirty="0">
+                <a:solidFill>
+                  <a:srgbClr val="FFFFFF"/>
+                </a:solidFill>
+              </a:rPr>
+              <a:t> </a:t>
+            </a:r>
+            <a:r>
+              <a:rPr lang="en-GB" sz="2000" dirty="0" smtClean="0">
+                <a:solidFill>
+                  <a:srgbClr val="FFFFFF"/>
+                </a:solidFill>
+              </a:rPr>
+              <a:t>– creating part of the design level maze, adding functionality to the menu class.</a:t>
             </a:r>
           </a:p>
           <a:p>
-            <a:pPr rtl="0" lvl="0" indent="-355600" marL="457200">
+            <a:pPr marL="457200" lvl="0" indent="-355600" rtl="0">
               <a:lnSpc>
                 <a:spcPct val="115000"/>
               </a:lnSpc>
@@ -3410,15 +3712,39 @@
               <a:buChar char="❖"/>
             </a:pPr>
             <a:r>
-              <a:rPr b="1" sz="2000" lang="en-GB">
+              <a:rPr lang="en-GB" sz="2000" b="1" dirty="0" err="1" smtClean="0">
                 <a:solidFill>
                   <a:srgbClr val="FFFFFF"/>
                 </a:solidFill>
               </a:rPr>
-              <a:t>Nikolay Borimechkov </a:t>
+              <a:t>Nikolay</a:t>
             </a:r>
             <a:r>
-              <a:rPr sz="2000" lang="en-GB">
+              <a:rPr lang="en-GB" sz="2000" b="1" dirty="0" smtClean="0">
+                <a:solidFill>
+                  <a:srgbClr val="FFFFFF"/>
+                </a:solidFill>
+              </a:rPr>
+              <a:t> </a:t>
+            </a:r>
+            <a:r>
+              <a:rPr lang="en-GB" sz="2000" b="1" dirty="0" err="1">
+                <a:solidFill>
+                  <a:srgbClr val="FFFFFF"/>
+                </a:solidFill>
+              </a:rPr>
+              <a:t>Borimechkov</a:t>
+            </a:r>
+            <a:r>
+              <a:rPr lang="en-GB" sz="2000" b="1" dirty="0">
+                <a:solidFill>
+                  <a:srgbClr val="FFFFFF"/>
+                </a:solidFill>
+              </a:rPr>
+              <a:t> </a:t>
+            </a:r>
+            <a:r>
+              <a:rPr lang="en-GB" sz="2000" dirty="0">
                 <a:solidFill>
                   <a:srgbClr val="FFFFFF"/>
                 </a:solidFill>
@@ -3427,7 +3753,7 @@
             </a:r>
           </a:p>
           <a:p>
-            <a:pPr rtl="0" lvl="0" indent="-355600" marL="457200">
+            <a:pPr marL="457200" lvl="0" indent="-355600" rtl="0">
               <a:lnSpc>
                 <a:spcPct val="115000"/>
               </a:lnSpc>
@@ -3442,15 +3768,39 @@
               <a:buChar char="❖"/>
             </a:pPr>
             <a:r>
-              <a:rPr b="1" sz="2000" lang="en-GB">
+              <a:rPr lang="en-GB" sz="2000" b="1" dirty="0" err="1">
                 <a:solidFill>
                   <a:srgbClr val="FFFFFF"/>
                 </a:solidFill>
               </a:rPr>
-              <a:t>Hristo Antov </a:t>
+              <a:t>Hristo</a:t>
             </a:r>
             <a:r>
-              <a:rPr sz="2000" lang="en-GB">
+              <a:rPr lang="en-GB" sz="2000" b="1" dirty="0">
+                <a:solidFill>
+                  <a:srgbClr val="FFFFFF"/>
+                </a:solidFill>
+              </a:rPr>
+              <a:t> </a:t>
+            </a:r>
+            <a:r>
+              <a:rPr lang="en-GB" sz="2000" b="1" dirty="0" err="1">
+                <a:solidFill>
+                  <a:srgbClr val="FFFFFF"/>
+                </a:solidFill>
+              </a:rPr>
+              <a:t>Antov</a:t>
+            </a:r>
+            <a:r>
+              <a:rPr lang="en-GB" sz="2000" b="1" dirty="0">
+                <a:solidFill>
+                  <a:srgbClr val="FFFFFF"/>
+                </a:solidFill>
+              </a:rPr>
+              <a:t> </a:t>
+            </a:r>
+            <a:r>
+              <a:rPr lang="en-GB" sz="2000" dirty="0">
                 <a:solidFill>
                   <a:srgbClr val="FFFFFF"/>
                 </a:solidFill>
@@ -3458,7 +3808,7 @@
               <a:t>- // </a:t>
             </a:r>
             <a:r>
-              <a:rPr sz="2000" lang="en-GB" i="1">
+              <a:rPr lang="en-GB" sz="2000" i="1" dirty="0">
                 <a:solidFill>
                   <a:srgbClr val="FFFFFF"/>
                 </a:solidFill>
@@ -3467,7 +3817,7 @@
             </a:r>
           </a:p>
           <a:p>
-            <a:pPr lvl="0" indent="-355600" marL="457200">
+            <a:pPr marL="457200" lvl="0" indent="-355600">
               <a:lnSpc>
                 <a:spcPct val="115000"/>
               </a:lnSpc>
@@ -3482,15 +3832,39 @@
               <a:buChar char="❖"/>
             </a:pPr>
             <a:r>
-              <a:rPr b="1" sz="2000" lang="en-GB">
+              <a:rPr lang="en-GB" sz="2000" b="1" dirty="0" err="1">
                 <a:solidFill>
                   <a:srgbClr val="FFFFFF"/>
                 </a:solidFill>
               </a:rPr>
-              <a:t>Tsvetelin Petsev </a:t>
+              <a:t>Tsvetelin</a:t>
             </a:r>
             <a:r>
-              <a:rPr sz="2000" lang="en-GB">
+              <a:rPr lang="en-GB" sz="2000" b="1" dirty="0">
+                <a:solidFill>
+                  <a:srgbClr val="FFFFFF"/>
+                </a:solidFill>
+              </a:rPr>
+              <a:t> </a:t>
+            </a:r>
+            <a:r>
+              <a:rPr lang="en-GB" sz="2000" b="1" dirty="0" err="1">
+                <a:solidFill>
+                  <a:srgbClr val="FFFFFF"/>
+                </a:solidFill>
+              </a:rPr>
+              <a:t>Petsev</a:t>
+            </a:r>
+            <a:r>
+              <a:rPr lang="en-GB" sz="2000" b="1" dirty="0">
+                <a:solidFill>
+                  <a:srgbClr val="FFFFFF"/>
+                </a:solidFill>
+              </a:rPr>
+              <a:t> </a:t>
+            </a:r>
+            <a:r>
+              <a:rPr lang="en-GB" sz="2000" dirty="0">
                 <a:solidFill>
                   <a:srgbClr val="FFFFFF"/>
                 </a:solidFill>
@@ -3498,7 +3872,7 @@
               <a:t>- // </a:t>
             </a:r>
             <a:r>
-              <a:rPr sz="2000" lang="en-GB" i="1">
+              <a:rPr lang="en-GB" sz="2000" i="1" dirty="0">
                 <a:solidFill>
                   <a:srgbClr val="FFFFFF"/>
                 </a:solidFill>
@@ -3516,13 +3890,20 @@
   <p:transition spd="slow">
     <p:cut/>
   </p:transition>
+  <p:timing>
+    <p:tnLst>
+      <p:par>
+        <p:cTn id="1" dur="indefinite" restart="never" nodeType="tmRoot"/>
+      </p:par>
+    </p:tnLst>
+  </p:timing>
 </p:sld>
 </file>
 
 <file path=ppt/theme/theme1.xml><?xml version="1.0" encoding="utf-8"?>
-<a:theme xmlns:a="http://schemas.openxmlformats.org/drawingml/2006/main" xmlns:r="http://schemas.openxmlformats.org/officeDocument/2006/relationships" name="Custom Theme">
+<a:theme xmlns:a="http://schemas.openxmlformats.org/drawingml/2006/main" name="dark-gradient">
   <a:themeElements>
-    <a:clrScheme name="Default">
+    <a:clrScheme name="Custom 346">
       <a:dk1>
         <a:srgbClr val="000000"/>
       </a:dk1>
@@ -3530,34 +3911,34 @@
         <a:srgbClr val="FFFFFF"/>
       </a:lt1>
       <a:dk2>
-        <a:srgbClr val="158158"/>
+        <a:srgbClr val="4C4C4C"/>
       </a:dk2>
       <a:lt2>
-        <a:srgbClr val="F3F3F3"/>
+        <a:srgbClr val="CCCCCC"/>
       </a:lt2>
       <a:accent1>
-        <a:srgbClr val="058DC7"/>
+        <a:srgbClr val="89B4B8"/>
       </a:accent1>
       <a:accent2>
-        <a:srgbClr val="50B432"/>
+        <a:srgbClr val="AFA6CA"/>
       </a:accent2>
       <a:accent3>
-        <a:srgbClr val="ED561B"/>
+        <a:srgbClr val="A5B492"/>
       </a:accent3>
       <a:accent4>
-        <a:srgbClr val="EDEF00"/>
+        <a:srgbClr val="E8CD6D"/>
       </a:accent4>
       <a:accent5>
-        <a:srgbClr val="24CBE5"/>
+        <a:srgbClr val="F4A447"/>
       </a:accent5>
       <a:accent6>
-        <a:srgbClr val="64E572"/>
+        <a:srgbClr val="D09D94"/>
       </a:accent6>
       <a:hlink>
-        <a:srgbClr val="2200CC"/>
+        <a:srgbClr val="5EA7AA"/>
       </a:hlink>
       <a:folHlink>
-        <a:srgbClr val="551A8B"/>
+        <a:srgbClr val="A295BE"/>
       </a:folHlink>
     </a:clrScheme>
     <a:fontScheme name="Office">
@@ -3565,69 +3946,69 @@
         <a:latin typeface="Arial"/>
         <a:ea typeface=""/>
         <a:cs typeface=""/>
-        <a:font typeface="ＭＳ Ｐゴシック" script="Jpan"/>
-        <a:font typeface="맑은 고딕" script="Hang"/>
-        <a:font typeface="宋体" script="Hans"/>
-        <a:font typeface="新細明體" script="Hant"/>
-        <a:font typeface="Times New Roman" script="Arab"/>
-        <a:font typeface="Times New Roman" script="Hebr"/>
-        <a:font typeface="Angsana New" script="Thai"/>
-        <a:font typeface="Nyala" script="Ethi"/>
-        <a:font typeface="Vrinda" script="Beng"/>
-        <a:font typeface="Shruti" script="Gujr"/>
-        <a:font typeface="MoolBoran" script="Khmr"/>
-        <a:font typeface="Tunga" script="Knda"/>
-        <a:font typeface="Raavi" script="Guru"/>
-        <a:font typeface="Euphemia" script="Cans"/>
-        <a:font typeface="Plantagenet Cherokee" script="Cher"/>
-        <a:font typeface="Microsoft Yi Baiti" script="Yiii"/>
-        <a:font typeface="Microsoft Himalaya" script="Tibt"/>
-        <a:font typeface="MV Boli" script="Thaa"/>
-        <a:font typeface="Mangal" script="Deva"/>
-        <a:font typeface="Gautami" script="Telu"/>
-        <a:font typeface="Latha" script="Taml"/>
-        <a:font typeface="Estrangelo Edessa" script="Syrc"/>
-        <a:font typeface="Kalinga" script="Orya"/>
-        <a:font typeface="Kartika" script="Mlym"/>
-        <a:font typeface="DokChampa" script="Laoo"/>
-        <a:font typeface="Iskoola Pota" script="Sinh"/>
-        <a:font typeface="Mongolian Baiti" script="Mong"/>
-        <a:font typeface="Times New Roman" script="Viet"/>
-        <a:font typeface="Microsoft Uighur" script="Uigh"/>
+        <a:font script="Jpan" typeface="ＭＳ Ｐゴシック"/>
+        <a:font script="Hang" typeface="맑은 고딕"/>
+        <a:font script="Hans" typeface="宋体"/>
+        <a:font script="Hant" typeface="新細明體"/>
+        <a:font script="Arab" typeface="Times New Roman"/>
+        <a:font script="Hebr" typeface="Times New Roman"/>
+        <a:font script="Thai" typeface="Angsana New"/>
+        <a:font script="Ethi" typeface="Nyala"/>
+        <a:font script="Beng" typeface="Vrinda"/>
+        <a:font script="Gujr" typeface="Shruti"/>
+        <a:font script="Khmr" typeface="MoolBoran"/>
+        <a:font script="Knda" typeface="Tunga"/>
+        <a:font script="Guru" typeface="Raavi"/>
+        <a:font script="Cans" typeface="Euphemia"/>
+        <a:font script="Cher" typeface="Plantagenet Cherokee"/>
+        <a:font script="Yiii" typeface="Microsoft Yi Baiti"/>
+        <a:font script="Tibt" typeface="Microsoft Himalaya"/>
+        <a:font script="Thaa" typeface="MV Boli"/>
+        <a:font script="Deva" typeface="Mangal"/>
+        <a:font script="Telu" typeface="Gautami"/>
+        <a:font script="Taml" typeface="Latha"/>
+        <a:font script="Syrc" typeface="Estrangelo Edessa"/>
+        <a:font script="Orya" typeface="Kalinga"/>
+        <a:font script="Mlym" typeface="Kartika"/>
+        <a:font script="Laoo" typeface="DokChampa"/>
+        <a:font script="Sinh" typeface="Iskoola Pota"/>
+        <a:font script="Mong" typeface="Mongolian Baiti"/>
+        <a:font script="Viet" typeface="Times New Roman"/>
+        <a:font script="Uigh" typeface="Microsoft Uighur"/>
       </a:majorFont>
       <a:minorFont>
         <a:latin typeface="Arial"/>
         <a:ea typeface=""/>
         <a:cs typeface=""/>
-        <a:font typeface="ＭＳ Ｐゴシック" script="Jpan"/>
-        <a:font typeface="맑은 고딕" script="Hang"/>
-        <a:font typeface="宋体" script="Hans"/>
-        <a:font typeface="新細明體" script="Hant"/>
-        <a:font typeface="Times New Roman" script="Arab"/>
-        <a:font typeface="Times New Roman" script="Hebr"/>
-        <a:font typeface="Angsana New" script="Thai"/>
-        <a:font typeface="Nyala" script="Ethi"/>
-        <a:font typeface="Vrinda" script="Beng"/>
-        <a:font typeface="Shruti" script="Gujr"/>
-        <a:font typeface="MoolBoran" script="Khmr"/>
-        <a:font typeface="Tunga" script="Knda"/>
-        <a:font typeface="Raavi" script="Guru"/>
-        <a:font typeface="Euphemia" script="Cans"/>
-        <a:font typeface="Plantagenet Cherokee" script="Cher"/>
-        <a:font typeface="Microsoft Yi Baiti" script="Yiii"/>
-        <a:font typeface="Microsoft Himalaya" script="Tibt"/>
-        <a:font typeface="MV Boli" script="Thaa"/>
-        <a:font typeface="Mangal" script="Deva"/>
-        <a:font typeface="Gautami" script="Telu"/>
-        <a:font typeface="Latha" script="Taml"/>
-        <a:font typeface="Estrangelo Edessa" script="Syrc"/>
-        <a:font typeface="Kalinga" script="Orya"/>
-        <a:font typeface="Kartika" script="Mlym"/>
-        <a:font typeface="DokChampa" script="Laoo"/>
-        <a:font typeface="Iskoola Pota" script="Sinh"/>
-        <a:font typeface="Mongolian Baiti" script="Mong"/>
-        <a:font typeface="Times New Roman" script="Viet"/>
-        <a:font typeface="Microsoft Uighur" script="Uigh"/>
+        <a:font script="Jpan" typeface="ＭＳ Ｐゴシック"/>
+        <a:font script="Hang" typeface="맑은 고딕"/>
+        <a:font script="Hans" typeface="宋体"/>
+        <a:font script="Hant" typeface="新細明體"/>
+        <a:font script="Arab" typeface="Times New Roman"/>
+        <a:font script="Hebr" typeface="Times New Roman"/>
+        <a:font script="Thai" typeface="Angsana New"/>
+        <a:font script="Ethi" typeface="Nyala"/>
+        <a:font script="Beng" typeface="Vrinda"/>
+        <a:font script="Gujr" typeface="Shruti"/>
+        <a:font script="Khmr" typeface="MoolBoran"/>
+        <a:font script="Knda" typeface="Tunga"/>
+        <a:font script="Guru" typeface="Raavi"/>
+        <a:font script="Cans" typeface="Euphemia"/>
+        <a:font script="Cher" typeface="Plantagenet Cherokee"/>
+        <a:font script="Yiii" typeface="Microsoft Yi Baiti"/>
+        <a:font script="Tibt" typeface="Microsoft Himalaya"/>
+        <a:font script="Thaa" typeface="MV Boli"/>
+        <a:font script="Deva" typeface="Mangal"/>
+        <a:font script="Telu" typeface="Gautami"/>
+        <a:font script="Taml" typeface="Latha"/>
+        <a:font script="Syrc" typeface="Estrangelo Edessa"/>
+        <a:font script="Orya" typeface="Kalinga"/>
+        <a:font script="Mlym" typeface="Kartika"/>
+        <a:font script="Laoo" typeface="DokChampa"/>
+        <a:font script="Sinh" typeface="Iskoola Pota"/>
+        <a:font script="Mong" typeface="Mongolian Baiti"/>
+        <a:font script="Viet" typeface="Times New Roman"/>
+        <a:font script="Uigh" typeface="Microsoft Uighur"/>
       </a:minorFont>
     </a:fontScheme>
     <a:fmtScheme name="Office">
@@ -3679,7 +4060,7 @@
         </a:gradFill>
       </a:fillStyleLst>
       <a:lnStyleLst>
-        <a:ln w="9525" algn="ctr" cap="flat" cmpd="sng">
+        <a:ln w="9525" cap="flat" cmpd="sng" algn="ctr">
           <a:solidFill>
             <a:schemeClr val="phClr">
               <a:shade val="95000"/>
@@ -3688,13 +4069,13 @@
           </a:solidFill>
           <a:prstDash val="solid"/>
         </a:ln>
-        <a:ln w="25400" algn="ctr" cap="flat" cmpd="sng">
+        <a:ln w="25400" cap="flat" cmpd="sng" algn="ctr">
           <a:solidFill>
             <a:schemeClr val="phClr"/>
           </a:solidFill>
           <a:prstDash val="solid"/>
         </a:ln>
-        <a:ln w="38100" algn="ctr" cap="flat" cmpd="sng">
+        <a:ln w="38100" cap="flat" cmpd="sng" algn="ctr">
           <a:solidFill>
             <a:schemeClr val="phClr"/>
           </a:solidFill>
@@ -3704,7 +4085,7 @@
       <a:effectStyleLst>
         <a:effectStyle>
           <a:effectLst>
-            <a:outerShdw rotWithShape="0" dir="5400000" blurRad="40000" dist="20000">
+            <a:outerShdw blurRad="40000" dist="20000" dir="5400000" rotWithShape="0">
               <a:srgbClr val="000000">
                 <a:alpha val="38000"/>
               </a:srgbClr>
@@ -3713,7 +4094,7 @@
         </a:effectStyle>
         <a:effectStyle>
           <a:effectLst>
-            <a:outerShdw rotWithShape="0" dir="5400000" blurRad="40000" dist="23000">
+            <a:outerShdw blurRad="40000" dist="23000" dir="5400000" rotWithShape="0">
               <a:srgbClr val="000000">
                 <a:alpha val="35000"/>
               </a:srgbClr>
@@ -3722,7 +4103,7 @@
         </a:effectStyle>
         <a:effectStyle>
           <a:effectLst>
-            <a:outerShdw rotWithShape="0" dir="5400000" blurRad="40000" dist="23000">
+            <a:outerShdw blurRad="40000" dist="23000" dir="5400000" rotWithShape="0">
               <a:srgbClr val="000000">
                 <a:alpha val="35000"/>
               </a:srgbClr>
@@ -3730,10 +4111,10 @@
           </a:effectLst>
           <a:scene3d>
             <a:camera prst="orthographicFront">
-              <a:rot rev="0" lon="0" lat="0"/>
+              <a:rot lat="0" lon="0" rev="0"/>
             </a:camera>
-            <a:lightRig dir="t" rig="threePt">
-              <a:rot rev="1200000" lon="0" lat="0"/>
+            <a:lightRig rig="threePt" dir="t">
+              <a:rot lat="0" lon="0" rev="1200000"/>
             </a:lightRig>
           </a:scene3d>
           <a:sp3d>
@@ -3768,7 +4149,7 @@
             </a:gs>
           </a:gsLst>
           <a:path path="circle">
-            <a:fillToRect t="-80000" b="180000" r="50000" l="50000"/>
+            <a:fillToRect l="50000" t="-80000" r="50000" b="180000"/>
           </a:path>
         </a:gradFill>
         <a:gradFill rotWithShape="1">
@@ -3787,54 +4168,56 @@
             </a:gs>
           </a:gsLst>
           <a:path path="circle">
-            <a:fillToRect t="50000" b="50000" r="50000" l="50000"/>
+            <a:fillToRect l="50000" t="50000" r="50000" b="50000"/>
           </a:path>
         </a:gradFill>
       </a:bgFillStyleLst>
     </a:fmtScheme>
   </a:themeElements>
+  <a:objectDefaults/>
+  <a:extraClrSchemeLst/>
 </a:theme>
 </file>
 
 <file path=ppt/theme/theme2.xml><?xml version="1.0" encoding="utf-8"?>
-<a:theme xmlns:a="http://schemas.openxmlformats.org/drawingml/2006/main" xmlns:r="http://schemas.openxmlformats.org/officeDocument/2006/relationships" name="Office Theme">
+<a:theme xmlns:a="http://schemas.openxmlformats.org/drawingml/2006/main" name="Custom Theme">
   <a:themeElements>
-    <a:clrScheme name="Office">
+    <a:clrScheme name="Default">
       <a:dk1>
-        <a:sysClr val="windowText" lastClr="000000"/>
+        <a:srgbClr val="000000"/>
       </a:dk1>
       <a:lt1>
-        <a:sysClr val="window" lastClr="FFFFFF"/>
+        <a:srgbClr val="FFFFFF"/>
       </a:lt1>
       <a:dk2>
-        <a:srgbClr val="1F497D"/>
+        <a:srgbClr val="158158"/>
       </a:dk2>
       <a:lt2>
-        <a:srgbClr val="EEECE1"/>
+        <a:srgbClr val="F3F3F3"/>
       </a:lt2>
       <a:accent1>
-        <a:srgbClr val="4F81BD"/>
+        <a:srgbClr val="058DC7"/>
       </a:accent1>
       <a:accent2>
-        <a:srgbClr val="C0504D"/>
+        <a:srgbClr val="50B432"/>
       </a:accent2>
       <a:accent3>
-        <a:srgbClr val="9BBB59"/>
+        <a:srgbClr val="ED561B"/>
       </a:accent3>
       <a:accent4>
-        <a:srgbClr val="8064A2"/>
+        <a:srgbClr val="EDEF00"/>
       </a:accent4>
       <a:accent5>
-        <a:srgbClr val="4BACC6"/>
+        <a:srgbClr val="24CBE5"/>
       </a:accent5>
       <a:accent6>
-        <a:srgbClr val="F79646"/>
+        <a:srgbClr val="64E572"/>
       </a:accent6>
       <a:hlink>
-        <a:srgbClr val="0000FF"/>
+        <a:srgbClr val="2200CC"/>
       </a:hlink>
       <a:folHlink>
-        <a:srgbClr val="800080"/>
+        <a:srgbClr val="551A8B"/>
       </a:folHlink>
     </a:clrScheme>
     <a:fontScheme name="Office">
@@ -3842,69 +4225,69 @@
         <a:latin typeface="Arial"/>
         <a:ea typeface=""/>
         <a:cs typeface=""/>
-        <a:font typeface="ＭＳ Ｐゴシック" script="Jpan"/>
-        <a:font typeface="맑은 고딕" script="Hang"/>
-        <a:font typeface="宋体" script="Hans"/>
-        <a:font typeface="新細明體" script="Hant"/>
-        <a:font typeface="Times New Roman" script="Arab"/>
-        <a:font typeface="Times New Roman" script="Hebr"/>
-        <a:font typeface="Angsana New" script="Thai"/>
-        <a:font typeface="Nyala" script="Ethi"/>
-        <a:font typeface="Vrinda" script="Beng"/>
-        <a:font typeface="Shruti" script="Gujr"/>
-        <a:font typeface="MoolBoran" script="Khmr"/>
-        <a:font typeface="Tunga" script="Knda"/>
-        <a:font typeface="Raavi" script="Guru"/>
-        <a:font typeface="Euphemia" script="Cans"/>
-        <a:font typeface="Plantagenet Cherokee" script="Cher"/>
-        <a:font typeface="Microsoft Yi Baiti" script="Yiii"/>
-        <a:font typeface="Microsoft Himalaya" script="Tibt"/>
-        <a:font typeface="MV Boli" script="Thaa"/>
-        <a:font typeface="Mangal" script="Deva"/>
-        <a:font typeface="Gautami" script="Telu"/>
-        <a:font typeface="Latha" script="Taml"/>
-        <a:font typeface="Estrangelo Edessa" script="Syrc"/>
-        <a:font typeface="Kalinga" script="Orya"/>
-        <a:font typeface="Kartika" script="Mlym"/>
-        <a:font typeface="DokChampa" script="Laoo"/>
-        <a:font typeface="Iskoola Pota" script="Sinh"/>
-        <a:font typeface="Mongolian Baiti" script="Mong"/>
-        <a:font typeface="Times New Roman" script="Viet"/>
-        <a:font typeface="Microsoft Uighur" script="Uigh"/>
+        <a:font script="Jpan" typeface="ＭＳ Ｐゴシック"/>
+        <a:font script="Hang" typeface="맑은 고딕"/>
+        <a:font script="Hans" typeface="宋体"/>
+        <a:font script="Hant" typeface="新細明體"/>
+        <a:font script="Arab" typeface="Times New Roman"/>
+        <a:font script="Hebr" typeface="Times New Roman"/>
+        <a:font script="Thai" typeface="Angsana New"/>
+        <a:font script="Ethi" typeface="Nyala"/>
+        <a:font script="Beng" typeface="Vrinda"/>
+        <a:font script="Gujr" typeface="Shruti"/>
+        <a:font script="Khmr" typeface="MoolBoran"/>
+        <a:font script="Knda" typeface="Tunga"/>
+        <a:font script="Guru" typeface="Raavi"/>
+        <a:font script="Cans" typeface="Euphemia"/>
+        <a:font script="Cher" typeface="Plantagenet Cherokee"/>
+        <a:font script="Yiii" typeface="Microsoft Yi Baiti"/>
+        <a:font script="Tibt" typeface="Microsoft Himalaya"/>
+        <a:font script="Thaa" typeface="MV Boli"/>
+        <a:font script="Deva" typeface="Mangal"/>
+        <a:font script="Telu" typeface="Gautami"/>
+        <a:font script="Taml" typeface="Latha"/>
+        <a:font script="Syrc" typeface="Estrangelo Edessa"/>
+        <a:font script="Orya" typeface="Kalinga"/>
+        <a:font script="Mlym" typeface="Kartika"/>
+        <a:font script="Laoo" typeface="DokChampa"/>
+        <a:font script="Sinh" typeface="Iskoola Pota"/>
+        <a:font script="Mong" typeface="Mongolian Baiti"/>
+        <a:font script="Viet" typeface="Times New Roman"/>
+        <a:font script="Uigh" typeface="Microsoft Uighur"/>
       </a:majorFont>
       <a:minorFont>
         <a:latin typeface="Arial"/>
         <a:ea typeface=""/>
         <a:cs typeface=""/>
-        <a:font typeface="ＭＳ Ｐゴシック" script="Jpan"/>
-        <a:font typeface="맑은 고딕" script="Hang"/>
-        <a:font typeface="宋体" script="Hans"/>
-        <a:font typeface="新細明體" script="Hant"/>
-        <a:font typeface="Times New Roman" script="Arab"/>
-        <a:font typeface="Times New Roman" script="Hebr"/>
-        <a:font typeface="Angsana New" script="Thai"/>
-        <a:font typeface="Nyala" script="Ethi"/>
-        <a:font typeface="Vrinda" script="Beng"/>
-        <a:font typeface="Shruti" script="Gujr"/>
-        <a:font typeface="MoolBoran" script="Khmr"/>
-        <a:font typeface="Tunga" script="Knda"/>
-        <a:font typeface="Raavi" script="Guru"/>
-        <a:font typeface="Euphemia" script="Cans"/>
-        <a:font typeface="Plantagenet Cherokee" script="Cher"/>
-        <a:font typeface="Microsoft Yi Baiti" script="Yiii"/>
-        <a:font typeface="Microsoft Himalaya" script="Tibt"/>
-        <a:font typeface="MV Boli" script="Thaa"/>
-        <a:font typeface="Mangal" script="Deva"/>
-        <a:font typeface="Gautami" script="Telu"/>
-        <a:font typeface="Latha" script="Taml"/>
-        <a:font typeface="Estrangelo Edessa" script="Syrc"/>
-        <a:font typeface="Kalinga" script="Orya"/>
-        <a:font typeface="Kartika" script="Mlym"/>
-        <a:font typeface="DokChampa" script="Laoo"/>
-        <a:font typeface="Iskoola Pota" script="Sinh"/>
-        <a:font typeface="Mongolian Baiti" script="Mong"/>
-        <a:font typeface="Times New Roman" script="Viet"/>
-        <a:font typeface="Microsoft Uighur" script="Uigh"/>
+        <a:font script="Jpan" typeface="ＭＳ Ｐゴシック"/>
+        <a:font script="Hang" typeface="맑은 고딕"/>
+        <a:font script="Hans" typeface="宋体"/>
+        <a:font script="Hant" typeface="新細明體"/>
+        <a:font script="Arab" typeface="Times New Roman"/>
+        <a:font script="Hebr" typeface="Times New Roman"/>
+        <a:font script="Thai" typeface="Angsana New"/>
+        <a:font script="Ethi" typeface="Nyala"/>
+        <a:font script="Beng" typeface="Vrinda"/>
+        <a:font script="Gujr" typeface="Shruti"/>
+        <a:font script="Khmr" typeface="MoolBoran"/>
+        <a:font script="Knda" typeface="Tunga"/>
+        <a:font script="Guru" typeface="Raavi"/>
+        <a:font script="Cans" typeface="Euphemia"/>
+        <a:font script="Cher" typeface="Plantagenet Cherokee"/>
+        <a:font script="Yiii" typeface="Microsoft Yi Baiti"/>
+        <a:font script="Tibt" typeface="Microsoft Himalaya"/>
+        <a:font script="Thaa" typeface="MV Boli"/>
+        <a:font script="Deva" typeface="Mangal"/>
+        <a:font script="Telu" typeface="Gautami"/>
+        <a:font script="Taml" typeface="Latha"/>
+        <a:font script="Syrc" typeface="Estrangelo Edessa"/>
+        <a:font script="Orya" typeface="Kalinga"/>
+        <a:font script="Mlym" typeface="Kartika"/>
+        <a:font script="Laoo" typeface="DokChampa"/>
+        <a:font script="Sinh" typeface="Iskoola Pota"/>
+        <a:font script="Mong" typeface="Mongolian Baiti"/>
+        <a:font script="Viet" typeface="Times New Roman"/>
+        <a:font script="Uigh" typeface="Microsoft Uighur"/>
       </a:minorFont>
     </a:fontScheme>
     <a:fmtScheme name="Office">
@@ -3956,7 +4339,7 @@
         </a:gradFill>
       </a:fillStyleLst>
       <a:lnStyleLst>
-        <a:ln w="9525" algn="ctr" cap="flat" cmpd="sng">
+        <a:ln w="9525" cap="flat" cmpd="sng" algn="ctr">
           <a:solidFill>
             <a:schemeClr val="phClr">
               <a:shade val="95000"/>
@@ -3965,13 +4348,13 @@
           </a:solidFill>
           <a:prstDash val="solid"/>
         </a:ln>
-        <a:ln w="25400" algn="ctr" cap="flat" cmpd="sng">
+        <a:ln w="25400" cap="flat" cmpd="sng" algn="ctr">
           <a:solidFill>
             <a:schemeClr val="phClr"/>
           </a:solidFill>
           <a:prstDash val="solid"/>
         </a:ln>
-        <a:ln w="38100" algn="ctr" cap="flat" cmpd="sng">
+        <a:ln w="38100" cap="flat" cmpd="sng" algn="ctr">
           <a:solidFill>
             <a:schemeClr val="phClr"/>
           </a:solidFill>
@@ -3981,7 +4364,7 @@
       <a:effectStyleLst>
         <a:effectStyle>
           <a:effectLst>
-            <a:outerShdw rotWithShape="0" dir="5400000" blurRad="40000" dist="20000">
+            <a:outerShdw blurRad="40000" dist="20000" dir="5400000" rotWithShape="0">
               <a:srgbClr val="000000">
                 <a:alpha val="38000"/>
               </a:srgbClr>
@@ -3990,7 +4373,7 @@
         </a:effectStyle>
         <a:effectStyle>
           <a:effectLst>
-            <a:outerShdw rotWithShape="0" dir="5400000" blurRad="40000" dist="23000">
+            <a:outerShdw blurRad="40000" dist="23000" dir="5400000" rotWithShape="0">
               <a:srgbClr val="000000">
                 <a:alpha val="35000"/>
               </a:srgbClr>
@@ -3999,7 +4382,7 @@
         </a:effectStyle>
         <a:effectStyle>
           <a:effectLst>
-            <a:outerShdw rotWithShape="0" dir="5400000" blurRad="40000" dist="23000">
+            <a:outerShdw blurRad="40000" dist="23000" dir="5400000" rotWithShape="0">
               <a:srgbClr val="000000">
                 <a:alpha val="35000"/>
               </a:srgbClr>
@@ -4007,10 +4390,10 @@
           </a:effectLst>
           <a:scene3d>
             <a:camera prst="orthographicFront">
-              <a:rot rev="0" lon="0" lat="0"/>
+              <a:rot lat="0" lon="0" rev="0"/>
             </a:camera>
-            <a:lightRig dir="t" rig="threePt">
-              <a:rot rev="1200000" lon="0" lat="0"/>
+            <a:lightRig rig="threePt" dir="t">
+              <a:rot lat="0" lon="0" rev="1200000"/>
             </a:lightRig>
           </a:scene3d>
           <a:sp3d>
@@ -4045,7 +4428,7 @@
             </a:gs>
           </a:gsLst>
           <a:path path="circle">
-            <a:fillToRect t="-80000" b="180000" r="50000" l="50000"/>
+            <a:fillToRect l="50000" t="-80000" r="50000" b="180000"/>
           </a:path>
         </a:gradFill>
         <a:gradFill rotWithShape="1">
@@ -4064,328 +4447,13 @@
             </a:gs>
           </a:gsLst>
           <a:path path="circle">
-            <a:fillToRect t="50000" b="50000" r="50000" l="50000"/>
+            <a:fillToRect l="50000" t="50000" r="50000" b="50000"/>
           </a:path>
         </a:gradFill>
       </a:bgFillStyleLst>
     </a:fmtScheme>
   </a:themeElements>
-  <a:objectDefaults>
-    <a:spDef>
-      <a:spPr/>
-      <a:bodyPr/>
-      <a:lstStyle/>
-      <a:style>
-        <a:lnRef idx="1">
-          <a:schemeClr val="accent1"/>
-        </a:lnRef>
-        <a:fillRef idx="3">
-          <a:schemeClr val="accent1"/>
-        </a:fillRef>
-        <a:effectRef idx="2">
-          <a:schemeClr val="accent1"/>
-        </a:effectRef>
-        <a:fontRef idx="minor">
-          <a:schemeClr val="lt1"/>
-        </a:fontRef>
-      </a:style>
-    </a:spDef>
-    <a:lnDef>
-      <a:spPr/>
-      <a:bodyPr/>
-      <a:lstStyle/>
-      <a:style>
-        <a:lnRef idx="2">
-          <a:schemeClr val="accent1"/>
-        </a:lnRef>
-        <a:fillRef idx="0">
-          <a:schemeClr val="accent1"/>
-        </a:fillRef>
-        <a:effectRef idx="1">
-          <a:schemeClr val="accent1"/>
-        </a:effectRef>
-        <a:fontRef idx="minor">
-          <a:schemeClr val="tx1"/>
-        </a:fontRef>
-      </a:style>
-    </a:lnDef>
-  </a:objectDefaults>
-</a:theme>
-</file>
-
-<file path=ppt/theme/theme3.xml><?xml version="1.0" encoding="utf-8"?>
-<a:theme xmlns:a="http://schemas.openxmlformats.org/drawingml/2006/main" xmlns:r="http://schemas.openxmlformats.org/officeDocument/2006/relationships" name="dark-gradient">
-  <a:themeElements>
-    <a:clrScheme name="Custom 346">
-      <a:dk1>
-        <a:srgbClr val="000000"/>
-      </a:dk1>
-      <a:lt1>
-        <a:srgbClr val="FFFFFF"/>
-      </a:lt1>
-      <a:dk2>
-        <a:srgbClr val="4C4C4C"/>
-      </a:dk2>
-      <a:lt2>
-        <a:srgbClr val="CCCCCC"/>
-      </a:lt2>
-      <a:accent1>
-        <a:srgbClr val="89B4B8"/>
-      </a:accent1>
-      <a:accent2>
-        <a:srgbClr val="AFA6CA"/>
-      </a:accent2>
-      <a:accent3>
-        <a:srgbClr val="A5B492"/>
-      </a:accent3>
-      <a:accent4>
-        <a:srgbClr val="E8CD6D"/>
-      </a:accent4>
-      <a:accent5>
-        <a:srgbClr val="F4A447"/>
-      </a:accent5>
-      <a:accent6>
-        <a:srgbClr val="D09D94"/>
-      </a:accent6>
-      <a:hlink>
-        <a:srgbClr val="5EA7AA"/>
-      </a:hlink>
-      <a:folHlink>
-        <a:srgbClr val="A295BE"/>
-      </a:folHlink>
-    </a:clrScheme>
-    <a:fontScheme name="Office">
-      <a:majorFont>
-        <a:latin typeface="Arial"/>
-        <a:ea typeface=""/>
-        <a:cs typeface=""/>
-        <a:font typeface="ＭＳ Ｐゴシック" script="Jpan"/>
-        <a:font typeface="맑은 고딕" script="Hang"/>
-        <a:font typeface="宋体" script="Hans"/>
-        <a:font typeface="新細明體" script="Hant"/>
-        <a:font typeface="Times New Roman" script="Arab"/>
-        <a:font typeface="Times New Roman" script="Hebr"/>
-        <a:font typeface="Angsana New" script="Thai"/>
-        <a:font typeface="Nyala" script="Ethi"/>
-        <a:font typeface="Vrinda" script="Beng"/>
-        <a:font typeface="Shruti" script="Gujr"/>
-        <a:font typeface="MoolBoran" script="Khmr"/>
-        <a:font typeface="Tunga" script="Knda"/>
-        <a:font typeface="Raavi" script="Guru"/>
-        <a:font typeface="Euphemia" script="Cans"/>
-        <a:font typeface="Plantagenet Cherokee" script="Cher"/>
-        <a:font typeface="Microsoft Yi Baiti" script="Yiii"/>
-        <a:font typeface="Microsoft Himalaya" script="Tibt"/>
-        <a:font typeface="MV Boli" script="Thaa"/>
-        <a:font typeface="Mangal" script="Deva"/>
-        <a:font typeface="Gautami" script="Telu"/>
-        <a:font typeface="Latha" script="Taml"/>
-        <a:font typeface="Estrangelo Edessa" script="Syrc"/>
-        <a:font typeface="Kalinga" script="Orya"/>
-        <a:font typeface="Kartika" script="Mlym"/>
-        <a:font typeface="DokChampa" script="Laoo"/>
-        <a:font typeface="Iskoola Pota" script="Sinh"/>
-        <a:font typeface="Mongolian Baiti" script="Mong"/>
-        <a:font typeface="Times New Roman" script="Viet"/>
-        <a:font typeface="Microsoft Uighur" script="Uigh"/>
-      </a:majorFont>
-      <a:minorFont>
-        <a:latin typeface="Arial"/>
-        <a:ea typeface=""/>
-        <a:cs typeface=""/>
-        <a:font typeface="ＭＳ Ｐゴシック" script="Jpan"/>
-        <a:font typeface="맑은 고딕" script="Hang"/>
-        <a:font typeface="宋体" script="Hans"/>
-        <a:font typeface="新細明體" script="Hant"/>
-        <a:font typeface="Times New Roman" script="Arab"/>
-        <a:font typeface="Times New Roman" script="Hebr"/>
-        <a:font typeface="Angsana New" script="Thai"/>
-        <a:font typeface="Nyala" script="Ethi"/>
-        <a:font typeface="Vrinda" script="Beng"/>
-        <a:font typeface="Shruti" script="Gujr"/>
-        <a:font typeface="MoolBoran" script="Khmr"/>
-        <a:font typeface="Tunga" script="Knda"/>
-        <a:font typeface="Raavi" script="Guru"/>
-        <a:font typeface="Euphemia" script="Cans"/>
-        <a:font typeface="Plantagenet Cherokee" script="Cher"/>
-        <a:font typeface="Microsoft Yi Baiti" script="Yiii"/>
-        <a:font typeface="Microsoft Himalaya" script="Tibt"/>
-        <a:font typeface="MV Boli" script="Thaa"/>
-        <a:font typeface="Mangal" script="Deva"/>
-        <a:font typeface="Gautami" script="Telu"/>
-        <a:font typeface="Latha" script="Taml"/>
-        <a:font typeface="Estrangelo Edessa" script="Syrc"/>
-        <a:font typeface="Kalinga" script="Orya"/>
-        <a:font typeface="Kartika" script="Mlym"/>
-        <a:font typeface="DokChampa" script="Laoo"/>
-        <a:font typeface="Iskoola Pota" script="Sinh"/>
-        <a:font typeface="Mongolian Baiti" script="Mong"/>
-        <a:font typeface="Times New Roman" script="Viet"/>
-        <a:font typeface="Microsoft Uighur" script="Uigh"/>
-      </a:minorFont>
-    </a:fontScheme>
-    <a:fmtScheme name="Office">
-      <a:fillStyleLst>
-        <a:solidFill>
-          <a:schemeClr val="phClr"/>
-        </a:solidFill>
-        <a:gradFill rotWithShape="1">
-          <a:gsLst>
-            <a:gs pos="0">
-              <a:schemeClr val="phClr">
-                <a:tint val="50000"/>
-                <a:satMod val="300000"/>
-              </a:schemeClr>
-            </a:gs>
-            <a:gs pos="35000">
-              <a:schemeClr val="phClr">
-                <a:tint val="37000"/>
-                <a:satMod val="300000"/>
-              </a:schemeClr>
-            </a:gs>
-            <a:gs pos="100000">
-              <a:schemeClr val="phClr">
-                <a:tint val="15000"/>
-                <a:satMod val="350000"/>
-              </a:schemeClr>
-            </a:gs>
-          </a:gsLst>
-          <a:lin ang="16200000" scaled="1"/>
-        </a:gradFill>
-        <a:gradFill rotWithShape="1">
-          <a:gsLst>
-            <a:gs pos="0">
-              <a:schemeClr val="phClr">
-                <a:tint val="100000"/>
-                <a:shade val="100000"/>
-                <a:satMod val="130000"/>
-              </a:schemeClr>
-            </a:gs>
-            <a:gs pos="100000">
-              <a:schemeClr val="phClr">
-                <a:tint val="50000"/>
-                <a:shade val="100000"/>
-                <a:satMod val="350000"/>
-              </a:schemeClr>
-            </a:gs>
-          </a:gsLst>
-          <a:lin ang="16200000" scaled="0"/>
-        </a:gradFill>
-      </a:fillStyleLst>
-      <a:lnStyleLst>
-        <a:ln w="9525" algn="ctr" cap="flat" cmpd="sng">
-          <a:solidFill>
-            <a:schemeClr val="phClr">
-              <a:shade val="95000"/>
-              <a:satMod val="105000"/>
-            </a:schemeClr>
-          </a:solidFill>
-          <a:prstDash val="solid"/>
-        </a:ln>
-        <a:ln w="25400" algn="ctr" cap="flat" cmpd="sng">
-          <a:solidFill>
-            <a:schemeClr val="phClr"/>
-          </a:solidFill>
-          <a:prstDash val="solid"/>
-        </a:ln>
-        <a:ln w="38100" algn="ctr" cap="flat" cmpd="sng">
-          <a:solidFill>
-            <a:schemeClr val="phClr"/>
-          </a:solidFill>
-          <a:prstDash val="solid"/>
-        </a:ln>
-      </a:lnStyleLst>
-      <a:effectStyleLst>
-        <a:effectStyle>
-          <a:effectLst>
-            <a:outerShdw rotWithShape="0" dir="5400000" blurRad="40000" dist="20000">
-              <a:srgbClr val="000000">
-                <a:alpha val="38000"/>
-              </a:srgbClr>
-            </a:outerShdw>
-          </a:effectLst>
-        </a:effectStyle>
-        <a:effectStyle>
-          <a:effectLst>
-            <a:outerShdw rotWithShape="0" dir="5400000" blurRad="40000" dist="23000">
-              <a:srgbClr val="000000">
-                <a:alpha val="35000"/>
-              </a:srgbClr>
-            </a:outerShdw>
-          </a:effectLst>
-        </a:effectStyle>
-        <a:effectStyle>
-          <a:effectLst>
-            <a:outerShdw rotWithShape="0" dir="5400000" blurRad="40000" dist="23000">
-              <a:srgbClr val="000000">
-                <a:alpha val="35000"/>
-              </a:srgbClr>
-            </a:outerShdw>
-          </a:effectLst>
-          <a:scene3d>
-            <a:camera prst="orthographicFront">
-              <a:rot rev="0" lon="0" lat="0"/>
-            </a:camera>
-            <a:lightRig dir="t" rig="threePt">
-              <a:rot rev="1200000" lon="0" lat="0"/>
-            </a:lightRig>
-          </a:scene3d>
-          <a:sp3d>
-            <a:bevelT w="63500" h="25400"/>
-          </a:sp3d>
-        </a:effectStyle>
-      </a:effectStyleLst>
-      <a:bgFillStyleLst>
-        <a:solidFill>
-          <a:schemeClr val="phClr"/>
-        </a:solidFill>
-        <a:gradFill rotWithShape="1">
-          <a:gsLst>
-            <a:gs pos="0">
-              <a:schemeClr val="phClr">
-                <a:tint val="40000"/>
-                <a:satMod val="350000"/>
-              </a:schemeClr>
-            </a:gs>
-            <a:gs pos="40000">
-              <a:schemeClr val="phClr">
-                <a:tint val="45000"/>
-                <a:shade val="99000"/>
-                <a:satMod val="350000"/>
-              </a:schemeClr>
-            </a:gs>
-            <a:gs pos="100000">
-              <a:schemeClr val="phClr">
-                <a:shade val="20000"/>
-                <a:satMod val="255000"/>
-              </a:schemeClr>
-            </a:gs>
-          </a:gsLst>
-          <a:path path="circle">
-            <a:fillToRect t="-80000" b="180000" r="50000" l="50000"/>
-          </a:path>
-        </a:gradFill>
-        <a:gradFill rotWithShape="1">
-          <a:gsLst>
-            <a:gs pos="0">
-              <a:schemeClr val="phClr">
-                <a:tint val="80000"/>
-                <a:satMod val="300000"/>
-              </a:schemeClr>
-            </a:gs>
-            <a:gs pos="100000">
-              <a:schemeClr val="phClr">
-                <a:shade val="30000"/>
-                <a:satMod val="200000"/>
-              </a:schemeClr>
-            </a:gs>
-          </a:gsLst>
-          <a:path path="circle">
-            <a:fillToRect t="50000" b="50000" r="50000" l="50000"/>
-          </a:path>
-        </a:gradFill>
-      </a:bgFillStyleLst>
-    </a:fmtScheme>
-  </a:themeElements>
+  <a:objectDefaults/>
+  <a:extraClrSchemeLst/>
 </a:theme>
 </file>
--- a/Resources/For Public Defense/Golden Gate Maze Game Presentation.pptx
+++ b/Resources/For Public Defense/Golden Gate Maze Game Presentation.pptx
@@ -226,6 +226,11 @@
       </a:defRPr>
     </a:lvl9pPr>
   </p:defaultTextStyle>
+  <p:extLst>
+    <p:ext uri="{EFAFB233-063F-42B5-8137-9DF3F51BA10A}">
+      <p15:sldGuideLst xmlns:p15="http://schemas.microsoft.com/office/powerpoint/2012/main"/>
+    </p:ext>
+  </p:extLst>
 </p:presentation>
 </file>
 
@@ -3577,17 +3582,13 @@
             </a:r>
           </a:p>
           <a:p>
-            <a:pPr marL="457200" lvl="0" indent="-355600" rtl="0">
+            <a:pPr marL="457200" lvl="0" indent="-355600">
               <a:lnSpc>
                 <a:spcPct val="115000"/>
               </a:lnSpc>
-              <a:spcBef>
-                <a:spcPts val="0"/>
-              </a:spcBef>
               <a:buClr>
                 <a:srgbClr val="FFFFFF"/>
               </a:buClr>
-              <a:buSzPct val="100000"/>
               <a:buFont typeface="Arial"/>
               <a:buChar char="❖"/>
             </a:pPr>
@@ -3608,7 +3609,7 @@
               <a:t> </a:t>
             </a:r>
             <a:r>
-              <a:rPr lang="en-GB" sz="2000" b="1" dirty="0" err="1">
+              <a:rPr lang="en-GB" sz="2000" b="1" dirty="0" err="1" smtClean="0">
                 <a:solidFill>
                   <a:srgbClr val="FFFFFF"/>
                 </a:solidFill>
@@ -3616,7 +3617,51 @@
               <a:t>Chalakova</a:t>
             </a:r>
             <a:r>
-              <a:rPr lang="en-GB" sz="2000" b="1" dirty="0">
+              <a:rPr lang="en-GB" sz="2000" b="1" dirty="0" smtClean="0">
+                <a:solidFill>
+                  <a:srgbClr val="FFFFFF"/>
+                </a:solidFill>
+              </a:rPr>
+              <a:t> - </a:t>
+            </a:r>
+            <a:r>
+              <a:rPr lang="en-US" sz="2000" dirty="0"/>
+              <a:t>Created </a:t>
+            </a:r>
+            <a:r>
+              <a:rPr lang="en-US" sz="2000" dirty="0" err="1"/>
+              <a:t>Readerr.class</a:t>
+            </a:r>
+            <a:r>
+              <a:rPr lang="en-US" sz="2000" dirty="0"/>
+              <a:t> ,the logo of the game, created the timer and the part of the design </a:t>
+            </a:r>
+            <a:r>
+              <a:rPr lang="en-US" sz="2000" dirty="0" smtClean="0"/>
+              <a:t>level.</a:t>
+            </a:r>
+          </a:p>
+          <a:p>
+            <a:pPr marL="457200" lvl="0" indent="-355600">
+              <a:lnSpc>
+                <a:spcPct val="115000"/>
+              </a:lnSpc>
+              <a:buClr>
+                <a:srgbClr val="FFFFFF"/>
+              </a:buClr>
+              <a:buFont typeface="Arial"/>
+              <a:buChar char="❖"/>
+            </a:pPr>
+            <a:r>
+              <a:rPr lang="en-GB" sz="2000" b="1" dirty="0" err="1" smtClean="0">
+                <a:solidFill>
+                  <a:srgbClr val="FFFFFF"/>
+                </a:solidFill>
+              </a:rPr>
+              <a:t>Desislava</a:t>
+            </a:r>
+            <a:r>
+              <a:rPr lang="en-GB" sz="2000" b="1" dirty="0" smtClean="0">
                 <a:solidFill>
                   <a:srgbClr val="FFFFFF"/>
                 </a:solidFill>
@@ -3624,47 +3669,33 @@
               <a:t> </a:t>
             </a:r>
             <a:r>
-              <a:rPr lang="en-GB" sz="2000" dirty="0">
+              <a:rPr lang="en-GB" sz="2000" b="1" dirty="0" err="1" smtClean="0">
                 <a:solidFill>
                   <a:srgbClr val="FFFFFF"/>
                 </a:solidFill>
               </a:rPr>
-              <a:t>-  //</a:t>
+              <a:t>Petkova</a:t>
             </a:r>
             <a:r>
-              <a:rPr lang="en-GB" sz="2000" i="1" dirty="0">
+              <a:rPr lang="en-GB" sz="2000" dirty="0" smtClean="0">
                 <a:solidFill>
                   <a:srgbClr val="FFFFFF"/>
                 </a:solidFill>
               </a:rPr>
-              <a:t> fill out </a:t>
+              <a:t> – Created part of the design level maze, </a:t>
             </a:r>
           </a:p>
           <a:p>
-            <a:pPr marL="457200" lvl="0" indent="-355600" rtl="0">
+            <a:pPr marL="101600" lvl="0">
               <a:lnSpc>
                 <a:spcPct val="115000"/>
               </a:lnSpc>
-              <a:spcBef>
-                <a:spcPts val="0"/>
-              </a:spcBef>
               <a:buClr>
                 <a:srgbClr val="FFFFFF"/>
               </a:buClr>
-              <a:buSzPct val="100000"/>
-              <a:buFont typeface="Arial"/>
-              <a:buChar char="❖"/>
             </a:pPr>
             <a:r>
-              <a:rPr lang="en-GB" sz="2000" b="1" dirty="0" err="1">
-                <a:solidFill>
-                  <a:srgbClr val="FFFFFF"/>
-                </a:solidFill>
-              </a:rPr>
-              <a:t>Desislava</a:t>
-            </a:r>
-            <a:r>
-              <a:rPr lang="en-GB" sz="2000" b="1" dirty="0">
+              <a:rPr lang="en-GB" sz="2000">
                 <a:solidFill>
                   <a:srgbClr val="FFFFFF"/>
                 </a:solidFill>
@@ -3672,20 +3703,20 @@
               <a:t> </a:t>
             </a:r>
             <a:r>
-              <a:rPr lang="en-GB" sz="2000" b="1" dirty="0" err="1">
+              <a:rPr lang="en-GB" sz="2000" smtClean="0">
                 <a:solidFill>
                   <a:srgbClr val="FFFFFF"/>
                 </a:solidFill>
               </a:rPr>
-              <a:t>Petkova</a:t>
+              <a:t>    </a:t>
             </a:r>
             <a:r>
-              <a:rPr lang="en-GB" sz="2000" dirty="0">
+              <a:rPr lang="en-GB" sz="2000" smtClean="0">
                 <a:solidFill>
                   <a:srgbClr val="FFFFFF"/>
                 </a:solidFill>
               </a:rPr>
-              <a:t> </a:t>
+              <a:t>added </a:t>
             </a:r>
             <a:r>
               <a:rPr lang="en-GB" sz="2000" dirty="0" smtClean="0">
@@ -3693,7 +3724,7 @@
                   <a:srgbClr val="FFFFFF"/>
                 </a:solidFill>
               </a:rPr>
-              <a:t>– creating part of the design level maze, adding functionality to the menu class.</a:t>
+              <a:t>functionality to the menu class.</a:t>
             </a:r>
           </a:p>
           <a:p>
@@ -3728,7 +3759,7 @@
               <a:t> </a:t>
             </a:r>
             <a:r>
-              <a:rPr lang="en-GB" sz="2000" b="1" dirty="0" err="1">
+              <a:rPr lang="en-GB" sz="2000" b="1" dirty="0" err="1" smtClean="0">
                 <a:solidFill>
                   <a:srgbClr val="FFFFFF"/>
                 </a:solidFill>
@@ -3736,7 +3767,7 @@
               <a:t>Borimechkov</a:t>
             </a:r>
             <a:r>
-              <a:rPr lang="en-GB" sz="2000" b="1" dirty="0">
+              <a:rPr lang="en-GB" sz="2000" b="1" dirty="0" smtClean="0">
                 <a:solidFill>
                   <a:srgbClr val="FFFFFF"/>
                 </a:solidFill>
@@ -3744,7 +3775,7 @@
               <a:t> </a:t>
             </a:r>
             <a:r>
-              <a:rPr lang="en-GB" sz="2000" dirty="0">
+              <a:rPr lang="en-GB" sz="2000" dirty="0" smtClean="0">
                 <a:solidFill>
                   <a:srgbClr val="FFFFFF"/>
                 </a:solidFill>
@@ -3768,7 +3799,7 @@
               <a:buChar char="❖"/>
             </a:pPr>
             <a:r>
-              <a:rPr lang="en-GB" sz="2000" b="1" dirty="0" err="1">
+              <a:rPr lang="en-GB" sz="2000" b="1" dirty="0" err="1" smtClean="0">
                 <a:solidFill>
                   <a:srgbClr val="FFFFFF"/>
                 </a:solidFill>
@@ -3776,7 +3807,7 @@
               <a:t>Hristo</a:t>
             </a:r>
             <a:r>
-              <a:rPr lang="en-GB" sz="2000" b="1" dirty="0">
+              <a:rPr lang="en-GB" sz="2000" b="1" dirty="0" smtClean="0">
                 <a:solidFill>
                   <a:srgbClr val="FFFFFF"/>
                 </a:solidFill>

--- a/Resources/For Public Defense/Golden Gate Maze Game Presentation.pptx
+++ b/Resources/For Public Defense/Golden Gate Maze Game Presentation.pptx
@@ -3549,7 +3549,7 @@
               <a:buChar char="❖"/>
             </a:pPr>
             <a:r>
-              <a:rPr lang="en-GB" sz="2000" b="1" dirty="0">
+              <a:rPr lang="en-GB" sz="1800" b="1" dirty="0">
                 <a:solidFill>
                   <a:srgbClr val="FFFFFF"/>
                 </a:solidFill>
@@ -3557,7 +3557,7 @@
               <a:t>Anton </a:t>
             </a:r>
             <a:r>
-              <a:rPr lang="en-GB" sz="2000" b="1" dirty="0" err="1">
+              <a:rPr lang="en-GB" sz="1800" b="1" dirty="0" err="1">
                 <a:solidFill>
                   <a:srgbClr val="FFFFFF"/>
                 </a:solidFill>
@@ -3565,20 +3565,128 @@
               <a:t>Aleksandrov</a:t>
             </a:r>
             <a:r>
-              <a:rPr lang="en-GB" sz="2000" dirty="0">
+              <a:rPr lang="en-GB" sz="1800" dirty="0">
                 <a:solidFill>
                   <a:srgbClr val="FFFFFF"/>
                 </a:solidFill>
               </a:rPr>
-              <a:t> - Created (the overall structure of) the game, very active throughout the project.   // </a:t>
-            </a:r>
-            <a:r>
-              <a:rPr lang="en-GB" sz="2000" i="1" dirty="0">
+              <a:t> - Created </a:t>
+            </a:r>
+            <a:r>
+              <a:rPr lang="en-GB" sz="1800" dirty="0" smtClean="0">
                 <a:solidFill>
                   <a:srgbClr val="FFFFFF"/>
                 </a:solidFill>
               </a:rPr>
-              <a:t>add more details</a:t>
+              <a:t>the </a:t>
+            </a:r>
+            <a:r>
+              <a:rPr lang="en-GB" sz="1800" dirty="0">
+                <a:solidFill>
+                  <a:srgbClr val="FFFFFF"/>
+                </a:solidFill>
+              </a:rPr>
+              <a:t>overall structure </a:t>
+            </a:r>
+            <a:r>
+              <a:rPr lang="en-GB" sz="1800" dirty="0" smtClean="0">
+                <a:solidFill>
+                  <a:srgbClr val="FFFFFF"/>
+                </a:solidFill>
+              </a:rPr>
+              <a:t>of </a:t>
+            </a:r>
+            <a:r>
+              <a:rPr lang="en-GB" sz="1800" dirty="0">
+                <a:solidFill>
+                  <a:srgbClr val="FFFFFF"/>
+                </a:solidFill>
+              </a:rPr>
+              <a:t>the game, very active throughout the </a:t>
+            </a:r>
+            <a:r>
+              <a:rPr lang="en-GB" sz="1800" dirty="0" smtClean="0">
+                <a:solidFill>
+                  <a:srgbClr val="FFFFFF"/>
+                </a:solidFill>
+              </a:rPr>
+              <a:t>project.</a:t>
+            </a:r>
+          </a:p>
+          <a:p>
+            <a:pPr marL="457200" lvl="0" indent="-355600" rtl="0">
+              <a:lnSpc>
+                <a:spcPct val="115000"/>
+              </a:lnSpc>
+              <a:spcBef>
+                <a:spcPts val="0"/>
+              </a:spcBef>
+              <a:buClr>
+                <a:srgbClr val="FFFFFF"/>
+              </a:buClr>
+              <a:buSzPct val="100000"/>
+              <a:buFont typeface="Arial"/>
+              <a:buChar char="❖"/>
+            </a:pPr>
+            <a:r>
+              <a:rPr lang="en-GB" sz="1800" b="1" dirty="0" err="1" smtClean="0">
+                <a:solidFill>
+                  <a:srgbClr val="FFFFFF"/>
+                </a:solidFill>
+              </a:rPr>
+              <a:t>Veronika</a:t>
+            </a:r>
+            <a:r>
+              <a:rPr lang="en-GB" sz="1800" b="1" dirty="0" smtClean="0">
+                <a:solidFill>
+                  <a:srgbClr val="FFFFFF"/>
+                </a:solidFill>
+              </a:rPr>
+              <a:t> </a:t>
+            </a:r>
+            <a:r>
+              <a:rPr lang="en-GB" sz="1800" b="1" dirty="0" err="1" smtClean="0">
+                <a:solidFill>
+                  <a:srgbClr val="FFFFFF"/>
+                </a:solidFill>
+              </a:rPr>
+              <a:t>Chalakova</a:t>
+            </a:r>
+            <a:r>
+              <a:rPr lang="en-GB" sz="1800" b="1" dirty="0" smtClean="0">
+                <a:solidFill>
+                  <a:srgbClr val="FFFFFF"/>
+                </a:solidFill>
+              </a:rPr>
+              <a:t> </a:t>
+            </a:r>
+            <a:r>
+              <a:rPr lang="en-GB" sz="1800" b="1" dirty="0" smtClean="0">
+                <a:solidFill>
+                  <a:srgbClr val="FFFFFF"/>
+                </a:solidFill>
+              </a:rPr>
+              <a:t>- </a:t>
+            </a:r>
+            <a:r>
+              <a:rPr lang="en-GB" sz="1800" dirty="0" smtClean="0">
+                <a:solidFill>
+                  <a:srgbClr val="FFFFFF"/>
+                </a:solidFill>
+              </a:rPr>
+              <a:t>Enabled reading from files</a:t>
+            </a:r>
+            <a:r>
+              <a:rPr lang="en-US" sz="1800" dirty="0" smtClean="0"/>
+              <a:t>, the </a:t>
+            </a:r>
+            <a:r>
+              <a:rPr lang="en-US" sz="1800" dirty="0"/>
+              <a:t>logo of the game, created the timer and the part of the design </a:t>
+            </a:r>
+            <a:r>
+              <a:rPr lang="en-US" sz="1800" dirty="0" smtClean="0"/>
+              <a:t>level.</a:t>
             </a:r>
           </a:p>
           <a:p>
@@ -3593,15 +3701,15 @@
               <a:buChar char="❖"/>
             </a:pPr>
             <a:r>
-              <a:rPr lang="en-GB" sz="2000" b="1" dirty="0" err="1">
+              <a:rPr lang="en-GB" sz="1800" b="1" dirty="0" err="1" smtClean="0">
                 <a:solidFill>
                   <a:srgbClr val="FFFFFF"/>
                 </a:solidFill>
               </a:rPr>
-              <a:t>Veronika</a:t>
-            </a:r>
-            <a:r>
-              <a:rPr lang="en-GB" sz="2000" b="1" dirty="0">
+              <a:t>Desislava</a:t>
+            </a:r>
+            <a:r>
+              <a:rPr lang="en-GB" sz="1800" b="1" dirty="0" smtClean="0">
                 <a:solidFill>
                   <a:srgbClr val="FFFFFF"/>
                 </a:solidFill>
@@ -3609,67 +3717,7 @@
               <a:t> </a:t>
             </a:r>
             <a:r>
-              <a:rPr lang="en-GB" sz="2000" b="1" dirty="0" err="1" smtClean="0">
-                <a:solidFill>
-                  <a:srgbClr val="FFFFFF"/>
-                </a:solidFill>
-              </a:rPr>
-              <a:t>Chalakova</a:t>
-            </a:r>
-            <a:r>
-              <a:rPr lang="en-GB" sz="2000" b="1" dirty="0" smtClean="0">
-                <a:solidFill>
-                  <a:srgbClr val="FFFFFF"/>
-                </a:solidFill>
-              </a:rPr>
-              <a:t> - </a:t>
-            </a:r>
-            <a:r>
-              <a:rPr lang="en-US" sz="2000" dirty="0"/>
-              <a:t>Created </a:t>
-            </a:r>
-            <a:r>
-              <a:rPr lang="en-US" sz="2000" dirty="0" err="1"/>
-              <a:t>Readerr.class</a:t>
-            </a:r>
-            <a:r>
-              <a:rPr lang="en-US" sz="2000" dirty="0"/>
-              <a:t> ,the logo of the game, created the timer and the part of the design </a:t>
-            </a:r>
-            <a:r>
-              <a:rPr lang="en-US" sz="2000" dirty="0" smtClean="0"/>
-              <a:t>level.</a:t>
-            </a:r>
-          </a:p>
-          <a:p>
-            <a:pPr marL="457200" lvl="0" indent="-355600">
-              <a:lnSpc>
-                <a:spcPct val="115000"/>
-              </a:lnSpc>
-              <a:buClr>
-                <a:srgbClr val="FFFFFF"/>
-              </a:buClr>
-              <a:buFont typeface="Arial"/>
-              <a:buChar char="❖"/>
-            </a:pPr>
-            <a:r>
-              <a:rPr lang="en-GB" sz="2000" b="1" dirty="0" err="1" smtClean="0">
-                <a:solidFill>
-                  <a:srgbClr val="FFFFFF"/>
-                </a:solidFill>
-              </a:rPr>
-              <a:t>Desislava</a:t>
-            </a:r>
-            <a:r>
-              <a:rPr lang="en-GB" sz="2000" b="1" dirty="0" smtClean="0">
-                <a:solidFill>
-                  <a:srgbClr val="FFFFFF"/>
-                </a:solidFill>
-              </a:rPr>
-              <a:t> </a:t>
-            </a:r>
-            <a:r>
-              <a:rPr lang="en-GB" sz="2000" b="1" dirty="0" err="1" smtClean="0">
+              <a:rPr lang="en-GB" sz="1800" b="1" dirty="0" err="1" smtClean="0">
                 <a:solidFill>
                   <a:srgbClr val="FFFFFF"/>
                 </a:solidFill>
@@ -3677,7 +3725,7 @@
               <a:t>Petkova</a:t>
             </a:r>
             <a:r>
-              <a:rPr lang="en-GB" sz="2000" dirty="0" smtClean="0">
+              <a:rPr lang="en-GB" sz="1800" dirty="0" smtClean="0">
                 <a:solidFill>
                   <a:srgbClr val="FFFFFF"/>
                 </a:solidFill>
@@ -3695,7 +3743,7 @@
               </a:buClr>
             </a:pPr>
             <a:r>
-              <a:rPr lang="en-GB" sz="2000">
+              <a:rPr lang="en-GB" sz="1800" dirty="0">
                 <a:solidFill>
                   <a:srgbClr val="FFFFFF"/>
                 </a:solidFill>
@@ -3703,28 +3751,12 @@
               <a:t> </a:t>
             </a:r>
             <a:r>
-              <a:rPr lang="en-GB" sz="2000" smtClean="0">
+              <a:rPr lang="en-GB" sz="1800" dirty="0" smtClean="0">
                 <a:solidFill>
                   <a:srgbClr val="FFFFFF"/>
                 </a:solidFill>
               </a:rPr>
-              <a:t>    </a:t>
-            </a:r>
-            <a:r>
-              <a:rPr lang="en-GB" sz="2000" smtClean="0">
-                <a:solidFill>
-                  <a:srgbClr val="FFFFFF"/>
-                </a:solidFill>
-              </a:rPr>
-              <a:t>added </a:t>
-            </a:r>
-            <a:r>
-              <a:rPr lang="en-GB" sz="2000" dirty="0" smtClean="0">
-                <a:solidFill>
-                  <a:srgbClr val="FFFFFF"/>
-                </a:solidFill>
-              </a:rPr>
-              <a:t>functionality to the menu class.</a:t>
+              <a:t>    added functionality to the menu class.</a:t>
             </a:r>
           </a:p>
           <a:p>
@@ -3743,15 +3775,23 @@
               <a:buChar char="❖"/>
             </a:pPr>
             <a:r>
-              <a:rPr lang="en-GB" sz="2000" b="1" dirty="0" err="1" smtClean="0">
+              <a:rPr lang="en-GB" sz="1800" b="1" dirty="0" smtClean="0">
                 <a:solidFill>
                   <a:srgbClr val="FFFFFF"/>
                 </a:solidFill>
               </a:rPr>
-              <a:t>Nikolay</a:t>
-            </a:r>
-            <a:r>
-              <a:rPr lang="en-GB" sz="2000" b="1" dirty="0" smtClean="0">
+              <a:t>Nikolay </a:t>
+            </a:r>
+            <a:r>
+              <a:rPr lang="en-GB" sz="1800" b="1" dirty="0" err="1" smtClean="0">
+                <a:solidFill>
+                  <a:srgbClr val="FFFFFF"/>
+                </a:solidFill>
+              </a:rPr>
+              <a:t>Borimechkov</a:t>
+            </a:r>
+            <a:r>
+              <a:rPr lang="en-GB" sz="1800" b="1" dirty="0" smtClean="0">
                 <a:solidFill>
                   <a:srgbClr val="FFFFFF"/>
                 </a:solidFill>
@@ -3759,15 +3799,23 @@
               <a:t> </a:t>
             </a:r>
             <a:r>
-              <a:rPr lang="en-GB" sz="2000" b="1" dirty="0" err="1" smtClean="0">
+              <a:rPr lang="en-GB" sz="1800" dirty="0" smtClean="0">
                 <a:solidFill>
                   <a:srgbClr val="FFFFFF"/>
                 </a:solidFill>
               </a:rPr>
-              <a:t>Borimechkov</a:t>
-            </a:r>
-            <a:r>
-              <a:rPr lang="en-GB" sz="2000" b="1" dirty="0" smtClean="0">
+              <a:t>- Small touches here and there</a:t>
+            </a:r>
+            <a:r>
+              <a:rPr lang="en-GB" sz="1800" dirty="0" smtClean="0">
+                <a:solidFill>
+                  <a:srgbClr val="FFFFFF"/>
+                </a:solidFill>
+              </a:rPr>
+              <a:t>.</a:t>
+            </a:r>
+            <a:r>
+              <a:rPr lang="bg-BG" sz="1800" dirty="0" smtClean="0">
                 <a:solidFill>
                   <a:srgbClr val="FFFFFF"/>
                 </a:solidFill>
@@ -3775,13 +3823,18 @@
               <a:t> </a:t>
             </a:r>
             <a:r>
-              <a:rPr lang="en-GB" sz="2000" dirty="0" smtClean="0">
+              <a:rPr lang="en-US" sz="1800" dirty="0" smtClean="0">
                 <a:solidFill>
                   <a:srgbClr val="FFFFFF"/>
                 </a:solidFill>
               </a:rPr>
-              <a:t>- Small touches here and there.</a:t>
-            </a:r>
+              <a:t>Also improved the input mechanism, made the documentation</a:t>
+            </a:r>
+            <a:endParaRPr lang="en-GB" sz="1800" dirty="0" smtClean="0">
+              <a:solidFill>
+                <a:srgbClr val="FFFFFF"/>
+              </a:solidFill>
+            </a:endParaRPr>
           </a:p>
           <a:p>
             <a:pPr marL="457200" lvl="0" indent="-355600" rtl="0">
@@ -3799,7 +3852,7 @@
               <a:buChar char="❖"/>
             </a:pPr>
             <a:r>
-              <a:rPr lang="en-GB" sz="2000" b="1" dirty="0" err="1" smtClean="0">
+              <a:rPr lang="en-GB" sz="1800" b="1" dirty="0" err="1" smtClean="0">
                 <a:solidFill>
                   <a:srgbClr val="FFFFFF"/>
                 </a:solidFill>
@@ -3807,7 +3860,7 @@
               <a:t>Hristo</a:t>
             </a:r>
             <a:r>
-              <a:rPr lang="en-GB" sz="2000" b="1" dirty="0" smtClean="0">
+              <a:rPr lang="en-GB" sz="1800" b="1" dirty="0" smtClean="0">
                 <a:solidFill>
                   <a:srgbClr val="FFFFFF"/>
                 </a:solidFill>
@@ -3815,7 +3868,7 @@
               <a:t> </a:t>
             </a:r>
             <a:r>
-              <a:rPr lang="en-GB" sz="2000" b="1" dirty="0" err="1">
+              <a:rPr lang="en-GB" sz="1800" b="1" dirty="0" err="1">
                 <a:solidFill>
                   <a:srgbClr val="FFFFFF"/>
                 </a:solidFill>
@@ -3823,7 +3876,7 @@
               <a:t>Antov</a:t>
             </a:r>
             <a:r>
-              <a:rPr lang="en-GB" sz="2000" b="1" dirty="0">
+              <a:rPr lang="en-GB" sz="1800" b="1" dirty="0">
                 <a:solidFill>
                   <a:srgbClr val="FFFFFF"/>
                 </a:solidFill>
@@ -3831,21 +3884,18 @@
               <a:t> </a:t>
             </a:r>
             <a:r>
-              <a:rPr lang="en-GB" sz="2000" dirty="0">
+              <a:rPr lang="en-GB" sz="1800" dirty="0" smtClean="0">
                 <a:solidFill>
                   <a:srgbClr val="FFFFFF"/>
                 </a:solidFill>
               </a:rPr>
-              <a:t>- // </a:t>
-            </a:r>
-            <a:r>
-              <a:rPr lang="en-GB" sz="2000" i="1" dirty="0">
-                <a:solidFill>
-                  <a:srgbClr val="FFFFFF"/>
-                </a:solidFill>
-              </a:rPr>
-              <a:t> fill out</a:t>
-            </a:r>
+              <a:t>– Gave ideas and example code for the timer and for collecting the dollars.</a:t>
+            </a:r>
+            <a:endParaRPr lang="en-GB" sz="1800" i="1" dirty="0">
+              <a:solidFill>
+                <a:srgbClr val="FFFFFF"/>
+              </a:solidFill>
+            </a:endParaRPr>
           </a:p>
           <a:p>
             <a:pPr marL="457200" lvl="0" indent="-355600">
@@ -3863,7 +3913,7 @@
               <a:buChar char="❖"/>
             </a:pPr>
             <a:r>
-              <a:rPr lang="en-GB" sz="2000" b="1" dirty="0" err="1">
+              <a:rPr lang="en-GB" sz="1800" b="1" dirty="0" err="1">
                 <a:solidFill>
                   <a:srgbClr val="FFFFFF"/>
                 </a:solidFill>
@@ -3871,7 +3921,7 @@
               <a:t>Tsvetelin</a:t>
             </a:r>
             <a:r>
-              <a:rPr lang="en-GB" sz="2000" b="1" dirty="0">
+              <a:rPr lang="en-GB" sz="1800" b="1" dirty="0">
                 <a:solidFill>
                   <a:srgbClr val="FFFFFF"/>
                 </a:solidFill>
@@ -3879,7 +3929,7 @@
               <a:t> </a:t>
             </a:r>
             <a:r>
-              <a:rPr lang="en-GB" sz="2000" b="1" dirty="0" err="1">
+              <a:rPr lang="en-GB" sz="1800" b="1" dirty="0" err="1">
                 <a:solidFill>
                   <a:srgbClr val="FFFFFF"/>
                 </a:solidFill>
@@ -3887,7 +3937,7 @@
               <a:t>Petsev</a:t>
             </a:r>
             <a:r>
-              <a:rPr lang="en-GB" sz="2000" b="1" dirty="0">
+              <a:rPr lang="en-GB" sz="1800" b="1" dirty="0">
                 <a:solidFill>
                   <a:srgbClr val="FFFFFF"/>
                 </a:solidFill>
@@ -3895,21 +3945,34 @@
               <a:t> </a:t>
             </a:r>
             <a:r>
-              <a:rPr lang="en-GB" sz="2000" dirty="0">
+              <a:rPr lang="en-GB" sz="1800" dirty="0" smtClean="0">
                 <a:solidFill>
                   <a:srgbClr val="FFFFFF"/>
                 </a:solidFill>
               </a:rPr>
-              <a:t>- // </a:t>
-            </a:r>
-            <a:r>
-              <a:rPr lang="en-GB" sz="2000" i="1" dirty="0">
+              <a:t>–</a:t>
+            </a:r>
+            <a:r>
+              <a:rPr lang="en-US" sz="1800" dirty="0" smtClean="0">
                 <a:solidFill>
                   <a:srgbClr val="FFFFFF"/>
                 </a:solidFill>
               </a:rPr>
-              <a:t> fill out</a:t>
-            </a:r>
+              <a:t> Filled the Info and Authors menu, </a:t>
+            </a:r>
+            <a:r>
+              <a:rPr lang="en-US" sz="1800" dirty="0" smtClean="0">
+                <a:solidFill>
+                  <a:srgbClr val="FFFFFF"/>
+                </a:solidFill>
+              </a:rPr>
+              <a:t>added dollars to the maze.</a:t>
+            </a:r>
+            <a:endParaRPr lang="en-GB" sz="1800" i="1" dirty="0">
+              <a:solidFill>
+                <a:srgbClr val="FFFFFF"/>
+              </a:solidFill>
+            </a:endParaRPr>
           </a:p>
         </p:txBody>
       </p:sp>
